--- a/09.Softwaremagement_And_Cron/09-SoftwareManagementAndCron.pptx
+++ b/09.Softwaremagement_And_Cron/09-SoftwareManagementAndCron.pptx
@@ -226,7 +226,7 @@
           <a:p>
             <a:fld id="{75861919-8521-4274-BB91-998CD62CEE44}" type="datetimeFigureOut">
               <a:rPr lang="en-US" smtClean="0"/>
-              <a:t>3/24/17</a:t>
+              <a:t>4/21/17</a:t>
             </a:fld>
             <a:endParaRPr lang="en-US"/>
           </a:p>
@@ -759,7 +759,7 @@
           <a:p>
             <a:fld id="{3EA744D9-3FBE-48D8-BF2A-85DF203E4D20}" type="datetimeFigureOut">
               <a:rPr lang="bg-BG" smtClean="0"/>
-              <a:t>24.03.17 г.</a:t>
+              <a:t>21.04.17 г.</a:t>
             </a:fld>
             <a:endParaRPr lang="bg-BG"/>
           </a:p>
@@ -929,7 +929,7 @@
           <a:p>
             <a:fld id="{3EA744D9-3FBE-48D8-BF2A-85DF203E4D20}" type="datetimeFigureOut">
               <a:rPr lang="bg-BG" smtClean="0"/>
-              <a:t>24.03.17 г.</a:t>
+              <a:t>21.04.17 г.</a:t>
             </a:fld>
             <a:endParaRPr lang="bg-BG"/>
           </a:p>
@@ -1109,7 +1109,7 @@
           <a:p>
             <a:fld id="{3EA744D9-3FBE-48D8-BF2A-85DF203E4D20}" type="datetimeFigureOut">
               <a:rPr lang="bg-BG" smtClean="0"/>
-              <a:t>24.03.17 г.</a:t>
+              <a:t>21.04.17 г.</a:t>
             </a:fld>
             <a:endParaRPr lang="bg-BG"/>
           </a:p>
@@ -1279,7 +1279,7 @@
           <a:p>
             <a:fld id="{3EA744D9-3FBE-48D8-BF2A-85DF203E4D20}" type="datetimeFigureOut">
               <a:rPr lang="bg-BG" smtClean="0"/>
-              <a:t>24.03.17 г.</a:t>
+              <a:t>21.04.17 г.</a:t>
             </a:fld>
             <a:endParaRPr lang="bg-BG"/>
           </a:p>
@@ -1525,7 +1525,7 @@
           <a:p>
             <a:fld id="{3EA744D9-3FBE-48D8-BF2A-85DF203E4D20}" type="datetimeFigureOut">
               <a:rPr lang="bg-BG" smtClean="0"/>
-              <a:t>24.03.17 г.</a:t>
+              <a:t>21.04.17 г.</a:t>
             </a:fld>
             <a:endParaRPr lang="bg-BG"/>
           </a:p>
@@ -1813,7 +1813,7 @@
           <a:p>
             <a:fld id="{3EA744D9-3FBE-48D8-BF2A-85DF203E4D20}" type="datetimeFigureOut">
               <a:rPr lang="bg-BG" smtClean="0"/>
-              <a:t>24.03.17 г.</a:t>
+              <a:t>21.04.17 г.</a:t>
             </a:fld>
             <a:endParaRPr lang="bg-BG"/>
           </a:p>
@@ -2235,7 +2235,7 @@
           <a:p>
             <a:fld id="{3EA744D9-3FBE-48D8-BF2A-85DF203E4D20}" type="datetimeFigureOut">
               <a:rPr lang="bg-BG" smtClean="0"/>
-              <a:t>24.03.17 г.</a:t>
+              <a:t>21.04.17 г.</a:t>
             </a:fld>
             <a:endParaRPr lang="bg-BG"/>
           </a:p>
@@ -2353,7 +2353,7 @@
           <a:p>
             <a:fld id="{3EA744D9-3FBE-48D8-BF2A-85DF203E4D20}" type="datetimeFigureOut">
               <a:rPr lang="bg-BG" smtClean="0"/>
-              <a:t>24.03.17 г.</a:t>
+              <a:t>21.04.17 г.</a:t>
             </a:fld>
             <a:endParaRPr lang="bg-BG"/>
           </a:p>
@@ -2448,7 +2448,7 @@
           <a:p>
             <a:fld id="{3EA744D9-3FBE-48D8-BF2A-85DF203E4D20}" type="datetimeFigureOut">
               <a:rPr lang="bg-BG" smtClean="0"/>
-              <a:t>24.03.17 г.</a:t>
+              <a:t>21.04.17 г.</a:t>
             </a:fld>
             <a:endParaRPr lang="bg-BG"/>
           </a:p>
@@ -2725,7 +2725,7 @@
           <a:p>
             <a:fld id="{3EA744D9-3FBE-48D8-BF2A-85DF203E4D20}" type="datetimeFigureOut">
               <a:rPr lang="bg-BG" smtClean="0"/>
-              <a:t>24.03.17 г.</a:t>
+              <a:t>21.04.17 г.</a:t>
             </a:fld>
             <a:endParaRPr lang="bg-BG"/>
           </a:p>
@@ -2978,7 +2978,7 @@
           <a:p>
             <a:fld id="{3EA744D9-3FBE-48D8-BF2A-85DF203E4D20}" type="datetimeFigureOut">
               <a:rPr lang="bg-BG" smtClean="0"/>
-              <a:t>24.03.17 г.</a:t>
+              <a:t>21.04.17 г.</a:t>
             </a:fld>
             <a:endParaRPr lang="bg-BG"/>
           </a:p>
@@ -3200,7 +3200,7 @@
           <a:p>
             <a:fld id="{3EA744D9-3FBE-48D8-BF2A-85DF203E4D20}" type="datetimeFigureOut">
               <a:rPr lang="bg-BG" smtClean="0"/>
-              <a:t>24.03.17 г.</a:t>
+              <a:t>21.04.17 г.</a:t>
             </a:fld>
             <a:endParaRPr lang="bg-BG"/>
           </a:p>
@@ -4006,20 +4006,20 @@
               <a:t>Software on Red Hat Enterprise </a:t>
             </a:r>
             <a:r>
-              <a:rPr lang="en-US" sz="3100" dirty="0" err="1" smtClean="0">
-                <a:solidFill>
-                  <a:schemeClr val="accent6"/>
-                </a:solidFill>
-              </a:rPr>
-              <a:t>Linuxes</a:t>
-            </a:r>
-            <a:r>
               <a:rPr lang="en-US" sz="3100" dirty="0" smtClean="0">
                 <a:solidFill>
                   <a:schemeClr val="accent6"/>
                 </a:solidFill>
               </a:rPr>
-              <a:t> is provided in the RPM format(Red Hat Package Manager). This is a specific format used to archive the package and provide package metadata as well. </a:t>
+              <a:t>Linux s </a:t>
+            </a:r>
+            <a:r>
+              <a:rPr lang="en-US" sz="3100" dirty="0" smtClean="0">
+                <a:solidFill>
+                  <a:schemeClr val="accent6"/>
+                </a:solidFill>
+              </a:rPr>
+              <a:t>is provided in the RPM format(Red Hat Package Manager). This is a specific format used to archive the package and provide package metadata as well. </a:t>
             </a:r>
             <a:r>
               <a:rPr lang="en-US" sz="3100" dirty="0">
@@ -4363,7 +4363,7 @@
             <a:r>
               <a:rPr lang="en-US" sz="2700" dirty="0" smtClean="0">
                 <a:solidFill>
-                  <a:schemeClr val="accent6"/>
+                  <a:schemeClr val="bg1"/>
                 </a:solidFill>
               </a:rPr>
               <a:t>0 9 2 2 * /</a:t>
@@ -4371,7 +4371,7 @@
             <a:r>
               <a:rPr lang="en-US" sz="2700" dirty="0" err="1" smtClean="0">
                 <a:solidFill>
-                  <a:schemeClr val="accent6"/>
+                  <a:schemeClr val="bg1"/>
                 </a:solidFill>
               </a:rPr>
               <a:t>usr</a:t>
@@ -4379,7 +4379,7 @@
             <a:r>
               <a:rPr lang="en-US" sz="2700" dirty="0" smtClean="0">
                 <a:solidFill>
-                  <a:schemeClr val="accent6"/>
+                  <a:schemeClr val="bg1"/>
                 </a:solidFill>
               </a:rPr>
               <a:t>/local/bin/</a:t>
@@ -4387,7 +4387,7 @@
             <a:r>
               <a:rPr lang="en-US" sz="2700" dirty="0" err="1" smtClean="0">
                 <a:solidFill>
-                  <a:schemeClr val="accent6"/>
+                  <a:schemeClr val="bg1"/>
                 </a:solidFill>
               </a:rPr>
               <a:t>yearly_backup</a:t>
@@ -4395,10 +4395,18 @@
             <a:r>
               <a:rPr lang="en-US" sz="2700" dirty="0" smtClean="0">
                 <a:solidFill>
-                  <a:schemeClr val="accent6"/>
-                </a:solidFill>
-              </a:rPr>
-              <a:t> =&gt; execute yearly backup script at 9 </a:t>
+                  <a:schemeClr val="bg1"/>
+                </a:solidFill>
+              </a:rPr>
+              <a:t> </a:t>
+            </a:r>
+            <a:r>
+              <a:rPr lang="en-US" sz="2700" dirty="0" smtClean="0">
+                <a:solidFill>
+                  <a:schemeClr val="accent6"/>
+                </a:solidFill>
+              </a:rPr>
+              <a:t>=&gt; execute yearly backup script at 9 </a:t>
             </a:r>
             <a:r>
               <a:rPr lang="en-US" sz="2700" dirty="0" err="1" smtClean="0">
@@ -4457,7 +4465,7 @@
             <a:r>
               <a:rPr lang="en-US" sz="2700" dirty="0" smtClean="0">
                 <a:solidFill>
-                  <a:schemeClr val="accent6"/>
+                  <a:schemeClr val="bg1"/>
                 </a:solidFill>
               </a:rPr>
               <a:t>58 23 * * 1-5 /</a:t>
@@ -4465,7 +4473,7 @@
             <a:r>
               <a:rPr lang="en-US" sz="2700" dirty="0" err="1" smtClean="0">
                 <a:solidFill>
-                  <a:schemeClr val="accent6"/>
+                  <a:schemeClr val="bg1"/>
                 </a:solidFill>
               </a:rPr>
               <a:t>usr</a:t>
@@ -4473,7 +4481,7 @@
             <a:r>
               <a:rPr lang="en-US" sz="2700" dirty="0" smtClean="0">
                 <a:solidFill>
-                  <a:schemeClr val="accent6"/>
+                  <a:schemeClr val="bg1"/>
                 </a:solidFill>
               </a:rPr>
               <a:t>/local/bin/</a:t>
@@ -4481,7 +4489,7 @@
             <a:r>
               <a:rPr lang="en-US" sz="2700" dirty="0" err="1" smtClean="0">
                 <a:solidFill>
-                  <a:schemeClr val="accent6"/>
+                  <a:schemeClr val="bg1"/>
                 </a:solidFill>
               </a:rPr>
               <a:t>daily_report</a:t>
@@ -4489,10 +4497,18 @@
             <a:r>
               <a:rPr lang="en-US" sz="2700" dirty="0" smtClean="0">
                 <a:solidFill>
-                  <a:schemeClr val="accent6"/>
-                </a:solidFill>
-              </a:rPr>
-              <a:t> =&gt; Run the daily report script every weekday at two minutes before midnight.</a:t>
+                  <a:schemeClr val="bg1"/>
+                </a:solidFill>
+              </a:rPr>
+              <a:t> </a:t>
+            </a:r>
+            <a:r>
+              <a:rPr lang="en-US" sz="2700" dirty="0" smtClean="0">
+                <a:solidFill>
+                  <a:schemeClr val="accent6"/>
+                </a:solidFill>
+              </a:rPr>
+              <a:t>=&gt; Run the daily report script every weekday at two minutes before midnight.</a:t>
             </a:r>
             <a:br>
               <a:rPr lang="en-US" sz="2700" dirty="0" smtClean="0">
@@ -4752,41 +4768,64 @@
               </a:rPr>
             </a:br>
             <a:r>
+              <a:rPr lang="en-US" dirty="0" smtClean="0">
+                <a:solidFill>
+                  <a:schemeClr val="accent6"/>
+                </a:solidFill>
+              </a:rPr>
+              <a:t/>
+            </a:r>
+            <a:br>
+              <a:rPr lang="en-US" dirty="0" smtClean="0">
+                <a:solidFill>
+                  <a:schemeClr val="accent6"/>
+                </a:solidFill>
+              </a:rPr>
+            </a:br>
+            <a:r>
               <a:rPr lang="en-US" sz="2700" dirty="0" smtClean="0">
                 <a:solidFill>
                   <a:srgbClr val="FF0000"/>
                 </a:solidFill>
               </a:rPr>
-              <a:t>Homework:</a:t>
-            </a:r>
-            <a:br>
+              <a:t>Homework</a:t>
+            </a:r>
+            <a:r>
               <a:rPr lang="en-US" sz="2700" dirty="0" smtClean="0">
                 <a:solidFill>
                   <a:srgbClr val="FF0000"/>
                 </a:solidFill>
               </a:rPr>
-            </a:br>
-            <a:r>
+              <a:t>:</a:t>
+            </a:r>
+            <a:br>
               <a:rPr lang="en-US" sz="2700" dirty="0" smtClean="0">
                 <a:solidFill>
-                  <a:schemeClr val="accent6"/>
-                </a:solidFill>
-              </a:rPr>
-              <a:t/>
-            </a:r>
-            <a:br>
+                  <a:srgbClr val="FF0000"/>
+                </a:solidFill>
+              </a:rPr>
+            </a:br>
+            <a:r>
               <a:rPr lang="en-US" sz="2700" dirty="0" smtClean="0">
                 <a:solidFill>
                   <a:schemeClr val="accent6"/>
                 </a:solidFill>
               </a:rPr>
-            </a:br>
-            <a:r>
+              <a:t/>
+            </a:r>
+            <a:br>
               <a:rPr lang="en-US" sz="2700" dirty="0" smtClean="0">
                 <a:solidFill>
                   <a:schemeClr val="accent6"/>
                 </a:solidFill>
               </a:rPr>
+            </a:br>
+            <a:r>
+              <a:rPr lang="en-US" sz="2700" dirty="0" smtClean="0">
+                <a:solidFill>
+                  <a:schemeClr val="accent6"/>
+                </a:solidFill>
+              </a:rPr>
               <a:t>1. Write on a piece of paper the difference between yum and rpm, and provide an example.</a:t>
             </a:r>
             <a:br>
@@ -4822,7 +4861,7 @@
             <a:r>
               <a:rPr lang="en-US" sz="2700" dirty="0" err="1" smtClean="0">
                 <a:solidFill>
-                  <a:schemeClr val="accent6"/>
+                  <a:schemeClr val="bg1"/>
                 </a:solidFill>
               </a:rPr>
               <a:t>yum_config_manager</a:t>
@@ -4879,14 +4918,38 @@
                   <a:schemeClr val="accent6"/>
                 </a:solidFill>
               </a:rPr>
-              <a:t> job to run on Thursday.</a:t>
-            </a:r>
-            <a:br>
+              <a:t> job to run </a:t>
+            </a:r>
+            <a:r>
+              <a:rPr lang="en-US" sz="2700" smtClean="0">
+                <a:solidFill>
+                  <a:schemeClr val="accent6"/>
+                </a:solidFill>
+              </a:rPr>
+              <a:t>on </a:t>
+            </a:r>
+            <a:r>
+              <a:rPr lang="en-US" sz="2700" smtClean="0">
+                <a:solidFill>
+                  <a:schemeClr val="accent6"/>
+                </a:solidFill>
+              </a:rPr>
+              <a:t>each Thursday</a:t>
+            </a:r>
+            <a:r>
               <a:rPr lang="en-US" sz="2700" dirty="0" smtClean="0">
                 <a:solidFill>
                   <a:schemeClr val="accent6"/>
                 </a:solidFill>
               </a:rPr>
+              <a:t>.</a:t>
+            </a:r>
+            <a:br>
+              <a:rPr lang="en-US" sz="2700" dirty="0" smtClean="0">
+                <a:solidFill>
+                  <a:schemeClr val="accent6"/>
+                </a:solidFill>
+              </a:rPr>
             </a:br>
             <a:r>
               <a:rPr lang="en-US" sz="2700" dirty="0">
@@ -4909,7 +4972,23 @@
                   <a:schemeClr val="accent6"/>
                 </a:solidFill>
               </a:rPr>
-              <a:t>4. Google ‘at’, what is the difference between at and </a:t>
+              <a:t>4. Google ‘</a:t>
+            </a:r>
+            <a:r>
+              <a:rPr lang="en-US" sz="2700" dirty="0" smtClean="0">
+                <a:solidFill>
+                  <a:schemeClr val="bg1"/>
+                </a:solidFill>
+              </a:rPr>
+              <a:t>at</a:t>
+            </a:r>
+            <a:r>
+              <a:rPr lang="en-US" sz="2700" dirty="0" smtClean="0">
+                <a:solidFill>
+                  <a:schemeClr val="accent6"/>
+                </a:solidFill>
+              </a:rPr>
+              <a:t>’, what is the difference between at and </a:t>
             </a:r>
             <a:r>
               <a:rPr lang="en-US" sz="2700" dirty="0" err="1" smtClean="0">
@@ -5071,7 +5150,55 @@
                   <a:schemeClr val="accent6"/>
                 </a:solidFill>
               </a:rPr>
-              <a:t>Modern processors can run in two modes: 32-bit mode, and 64-bit mode. In 32-bit mode, they can access up to 4GB memory, in 64-bit mode, they can access much more. Older processors only support 32-bit mode. Applications(packages) can also be written or compiled for 32-bit or 64-bit mode.</a:t>
+              <a:t>Modern processors can run in two modes: </a:t>
+            </a:r>
+            <a:r>
+              <a:rPr lang="en-US" sz="1400" dirty="0" smtClean="0">
+                <a:solidFill>
+                  <a:schemeClr val="bg1"/>
+                </a:solidFill>
+              </a:rPr>
+              <a:t>32-bit mode</a:t>
+            </a:r>
+            <a:r>
+              <a:rPr lang="en-US" sz="1400" dirty="0" smtClean="0">
+                <a:solidFill>
+                  <a:schemeClr val="accent6"/>
+                </a:solidFill>
+              </a:rPr>
+              <a:t>, and </a:t>
+            </a:r>
+            <a:r>
+              <a:rPr lang="en-US" sz="1400" dirty="0" smtClean="0">
+                <a:solidFill>
+                  <a:schemeClr val="bg1"/>
+                </a:solidFill>
+              </a:rPr>
+              <a:t>64-bit mode</a:t>
+            </a:r>
+            <a:r>
+              <a:rPr lang="en-US" sz="1400" dirty="0" smtClean="0">
+                <a:solidFill>
+                  <a:schemeClr val="accent6"/>
+                </a:solidFill>
+              </a:rPr>
+              <a:t>. In 32-bit mode, they can access up to </a:t>
+            </a:r>
+            <a:r>
+              <a:rPr lang="en-US" sz="1400" dirty="0" smtClean="0">
+                <a:solidFill>
+                  <a:schemeClr val="bg1"/>
+                </a:solidFill>
+              </a:rPr>
+              <a:t>4GB memory</a:t>
+            </a:r>
+            <a:r>
+              <a:rPr lang="en-US" sz="1400" dirty="0" smtClean="0">
+                <a:solidFill>
+                  <a:schemeClr val="accent6"/>
+                </a:solidFill>
+              </a:rPr>
+              <a:t>, in 64-bit mode, they can access much more. Older processors only support 32-bit mode. Applications(packages) can also be written or compiled for 32-bit or 64-bit mode.</a:t>
             </a:r>
           </a:p>
           <a:p>
@@ -5085,7 +5212,7 @@
             <a:r>
               <a:rPr lang="en-US" sz="1400" dirty="0">
                 <a:solidFill>
-                  <a:schemeClr val="accent6"/>
+                  <a:schemeClr val="bg1"/>
                 </a:solidFill>
               </a:rPr>
               <a:t>x</a:t>
@@ -5093,10 +5220,18 @@
             <a:r>
               <a:rPr lang="en-US" sz="1400" dirty="0" smtClean="0">
                 <a:solidFill>
-                  <a:schemeClr val="accent6"/>
-                </a:solidFill>
-              </a:rPr>
-              <a:t>86_64 =&gt; runs on x86 architecture(32 bits) and on 64-bits architecture.</a:t>
+                  <a:schemeClr val="bg1"/>
+                </a:solidFill>
+              </a:rPr>
+              <a:t>86_64</a:t>
+            </a:r>
+            <a:r>
+              <a:rPr lang="en-US" sz="1400" dirty="0" smtClean="0">
+                <a:solidFill>
+                  <a:schemeClr val="accent6"/>
+                </a:solidFill>
+              </a:rPr>
+              <a:t> =&gt; runs on x86 architecture(32 bits) and on 64-bits architecture.</a:t>
             </a:r>
             <a:endParaRPr lang="en-US" sz="1400" dirty="0">
               <a:solidFill>
@@ -5460,7 +5595,55 @@
                   <a:schemeClr val="accent6"/>
                 </a:solidFill>
               </a:rPr>
-              <a:t>The yum takes care of resolving these dependencies automatically! In Red Hat Enterprise Linux repositories are provided through Red Hat Network. After registering with RHN, you can install software packages that are verified by Red Hat automatically. If you choose to install Red Hat Enterprise Linux without a registration key, it cannot get in touch with the RHN repositories, and you end up with no repositories at all</a:t>
+              <a:t>The yum takes care of resolving these dependencies automatically! In </a:t>
+            </a:r>
+            <a:r>
+              <a:rPr lang="en-US" sz="2200" dirty="0" smtClean="0">
+                <a:solidFill>
+                  <a:schemeClr val="bg1"/>
+                </a:solidFill>
+              </a:rPr>
+              <a:t>Red Hat Enterprise Linux </a:t>
+            </a:r>
+            <a:r>
+              <a:rPr lang="en-US" sz="2200" dirty="0" smtClean="0">
+                <a:solidFill>
+                  <a:schemeClr val="accent6"/>
+                </a:solidFill>
+              </a:rPr>
+              <a:t>repositories are provided through </a:t>
+            </a:r>
+            <a:r>
+              <a:rPr lang="en-US" sz="2200" dirty="0" smtClean="0">
+                <a:solidFill>
+                  <a:schemeClr val="bg1"/>
+                </a:solidFill>
+              </a:rPr>
+              <a:t>Red Hat Network</a:t>
+            </a:r>
+            <a:r>
+              <a:rPr lang="en-US" sz="2200" dirty="0" smtClean="0">
+                <a:solidFill>
+                  <a:schemeClr val="accent6"/>
+                </a:solidFill>
+              </a:rPr>
+              <a:t>. After registering with </a:t>
+            </a:r>
+            <a:r>
+              <a:rPr lang="en-US" sz="2200" dirty="0" smtClean="0">
+                <a:solidFill>
+                  <a:schemeClr val="bg1"/>
+                </a:solidFill>
+              </a:rPr>
+              <a:t>RHN</a:t>
+            </a:r>
+            <a:r>
+              <a:rPr lang="en-US" sz="2200" dirty="0" smtClean="0">
+                <a:solidFill>
+                  <a:schemeClr val="accent6"/>
+                </a:solidFill>
+              </a:rPr>
+              <a:t>, you can install software packages that are verified by Red Hat automatically. If you choose to install Red Hat Enterprise Linux without a registration key, it cannot get in touch with the RHN repositories, and you end up with no repositories at all</a:t>
             </a:r>
             <a:r>
               <a:rPr lang="en-US" sz="2200" dirty="0">
@@ -7052,7 +7235,23 @@
                   <a:schemeClr val="accent6"/>
                 </a:solidFill>
               </a:rPr>
-              <a:t>Locating repositories involves a risk, you want to make sure that you can trust the software packages you are trying to install. This is why repositories in general use keys for package signing. GPG key makes it possible to check whether packages have been changed since the owner of the repository provided them. </a:t>
+              <a:t>Locating repositories involves a risk, you want to make sure that you can trust the software packages you are trying to install. This is why repositories in general use keys for package signing. </a:t>
+            </a:r>
+            <a:r>
+              <a:rPr lang="en-US" sz="2000" dirty="0" smtClean="0">
+                <a:solidFill>
+                  <a:schemeClr val="bg1"/>
+                </a:solidFill>
+              </a:rPr>
+              <a:t>GPG key </a:t>
+            </a:r>
+            <a:r>
+              <a:rPr lang="en-US" sz="2000" dirty="0" smtClean="0">
+                <a:solidFill>
+                  <a:schemeClr val="accent6"/>
+                </a:solidFill>
+              </a:rPr>
+              <a:t>makes it possible to check whether packages have been changed since the owner of the repository provided them. </a:t>
             </a:r>
             <a:br>
               <a:rPr lang="en-US" sz="2000" dirty="0" smtClean="0">
@@ -7127,12 +7326,20 @@
                   <a:schemeClr val="accent6"/>
                 </a:solidFill>
               </a:rPr>
-              <a:t>The GPG keys that are used for package signing are installed to the /</a:t>
+              <a:t>The GPG keys that are used for package signing are installed to the </a:t>
+            </a:r>
+            <a:r>
+              <a:rPr lang="en-US" sz="2000" dirty="0" smtClean="0">
+                <a:solidFill>
+                  <a:schemeClr val="bg1"/>
+                </a:solidFill>
+              </a:rPr>
+              <a:t>/</a:t>
             </a:r>
             <a:r>
               <a:rPr lang="en-US" sz="2000" dirty="0" err="1" smtClean="0">
                 <a:solidFill>
-                  <a:schemeClr val="accent6"/>
+                  <a:schemeClr val="bg1"/>
                 </a:solidFill>
               </a:rPr>
               <a:t>etc</a:t>
@@ -7140,7 +7347,7 @@
             <a:r>
               <a:rPr lang="en-US" sz="2000" dirty="0" smtClean="0">
                 <a:solidFill>
-                  <a:schemeClr val="accent6"/>
+                  <a:schemeClr val="bg1"/>
                 </a:solidFill>
               </a:rPr>
               <a:t>/</a:t>
@@ -7148,7 +7355,7 @@
             <a:r>
               <a:rPr lang="en-US" sz="2000" dirty="0" err="1" smtClean="0">
                 <a:solidFill>
-                  <a:schemeClr val="accent6"/>
+                  <a:schemeClr val="bg1"/>
                 </a:solidFill>
               </a:rPr>
               <a:t>pki</a:t>
@@ -7156,7 +7363,7 @@
             <a:r>
               <a:rPr lang="en-US" sz="2000" dirty="0" smtClean="0">
                 <a:solidFill>
-                  <a:schemeClr val="accent6"/>
+                  <a:schemeClr val="bg1"/>
                 </a:solidFill>
               </a:rPr>
               <a:t>/rpm-</a:t>
@@ -7164,7 +7371,7 @@
             <a:r>
               <a:rPr lang="en-US" sz="2000" dirty="0" err="1" smtClean="0">
                 <a:solidFill>
-                  <a:schemeClr val="accent6"/>
+                  <a:schemeClr val="bg1"/>
                 </a:solidFill>
               </a:rPr>
               <a:t>gpg</a:t>
@@ -7172,10 +7379,18 @@
             <a:r>
               <a:rPr lang="en-US" sz="2000" dirty="0" smtClean="0">
                 <a:solidFill>
-                  <a:schemeClr val="accent6"/>
-                </a:solidFill>
-              </a:rPr>
-              <a:t> directory by default.</a:t>
+                  <a:schemeClr val="bg1"/>
+                </a:solidFill>
+              </a:rPr>
+              <a:t> </a:t>
+            </a:r>
+            <a:r>
+              <a:rPr lang="en-US" sz="2000" dirty="0" smtClean="0">
+                <a:solidFill>
+                  <a:schemeClr val="accent6"/>
+                </a:solidFill>
+              </a:rPr>
+              <a:t>directory by default.</a:t>
             </a:r>
             <a:br>
               <a:rPr lang="en-US" sz="2000" dirty="0" smtClean="0">
@@ -7451,7 +7666,7 @@
             <a:r>
               <a:rPr lang="en-US" sz="2000" dirty="0" err="1" smtClean="0">
                 <a:solidFill>
-                  <a:schemeClr val="accent6"/>
+                  <a:schemeClr val="bg1"/>
                 </a:solidFill>
               </a:rPr>
               <a:t>uname</a:t>
@@ -7467,7 +7682,7 @@
             <a:r>
               <a:rPr lang="en-US" sz="2000" dirty="0" err="1" smtClean="0">
                 <a:solidFill>
-                  <a:schemeClr val="accent6"/>
+                  <a:schemeClr val="bg1"/>
                 </a:solidFill>
               </a:rPr>
               <a:t>uname</a:t>
@@ -7475,14 +7690,14 @@
             <a:r>
               <a:rPr lang="en-US" sz="2000" dirty="0" smtClean="0">
                 <a:solidFill>
-                  <a:schemeClr val="accent6"/>
+                  <a:schemeClr val="bg1"/>
                 </a:solidFill>
               </a:rPr>
               <a:t> -r</a:t>
             </a:r>
             <a:endParaRPr lang="en-US" sz="2000" dirty="0">
               <a:solidFill>
-                <a:schemeClr val="accent6"/>
+                <a:schemeClr val="bg1"/>
               </a:solidFill>
             </a:endParaRPr>
           </a:p>
@@ -8313,7 +8528,7 @@
             <a:r>
               <a:rPr lang="en-US" sz="2000" dirty="0" err="1" smtClean="0">
                 <a:solidFill>
-                  <a:schemeClr val="accent6"/>
+                  <a:schemeClr val="bg1"/>
                 </a:solidFill>
               </a:rPr>
               <a:t>cron</a:t>
@@ -8361,7 +8576,7 @@
             <a:r>
               <a:rPr lang="en-US" sz="2000" dirty="0" err="1" smtClean="0">
                 <a:solidFill>
-                  <a:schemeClr val="accent6"/>
+                  <a:schemeClr val="bg1"/>
                 </a:solidFill>
               </a:rPr>
               <a:t>Logrotate</a:t>
@@ -8430,7 +8645,7 @@
             <a:r>
               <a:rPr lang="en-US" sz="2000" dirty="0" err="1" smtClean="0">
                 <a:solidFill>
-                  <a:schemeClr val="accent6"/>
+                  <a:schemeClr val="bg1"/>
                 </a:solidFill>
               </a:rPr>
               <a:t>crond</a:t>
@@ -8461,7 +8676,7 @@
             <a:r>
               <a:rPr lang="en-US" sz="2000" dirty="0" err="1" smtClean="0">
                 <a:solidFill>
-                  <a:schemeClr val="accent6"/>
+                  <a:schemeClr val="bg1"/>
                 </a:solidFill>
               </a:rPr>
               <a:t>crontab</a:t>
@@ -8552,10 +8767,18 @@
               </a:rPr>
               <a:t>*</a:t>
             </a:r>
-            <a:br>
-              <a:rPr lang="en-US" sz="2000" dirty="0" smtClean="0">
-                <a:solidFill>
-                  <a:schemeClr val="accent6"/>
+            <a:r>
+              <a:rPr lang="en-US" sz="2000" dirty="0" smtClean="0">
+                <a:solidFill>
+                  <a:schemeClr val="bg1"/>
+                </a:solidFill>
+              </a:rPr>
+              <a:t/>
+            </a:r>
+            <a:br>
+              <a:rPr lang="en-US" sz="2000" dirty="0" smtClean="0">
+                <a:solidFill>
+                  <a:schemeClr val="bg1"/>
                 </a:solidFill>
               </a:rPr>
             </a:br>
@@ -8640,7 +8863,7 @@
             <a:r>
               <a:rPr lang="en-US" sz="2000" dirty="0" smtClean="0">
                 <a:solidFill>
-                  <a:srgbClr val="FF0000"/>
+                  <a:schemeClr val="bg1"/>
                 </a:solidFill>
               </a:rPr>
               <a:t>/</a:t>
@@ -8648,7 +8871,7 @@
             <a:r>
               <a:rPr lang="en-US" sz="2000" dirty="0" err="1" smtClean="0">
                 <a:solidFill>
-                  <a:srgbClr val="FF0000"/>
+                  <a:schemeClr val="bg1"/>
                 </a:solidFill>
               </a:rPr>
               <a:t>etc</a:t>
@@ -8656,7 +8879,7 @@
             <a:r>
               <a:rPr lang="en-US" sz="2000" dirty="0" smtClean="0">
                 <a:solidFill>
-                  <a:srgbClr val="FF0000"/>
+                  <a:schemeClr val="bg1"/>
                 </a:solidFill>
               </a:rPr>
               <a:t>/</a:t>
@@ -8664,7 +8887,7 @@
             <a:r>
               <a:rPr lang="en-US" sz="2000" dirty="0" err="1" smtClean="0">
                 <a:solidFill>
-                  <a:srgbClr val="FF0000"/>
+                  <a:schemeClr val="bg1"/>
                 </a:solidFill>
               </a:rPr>
               <a:t>cron.d</a:t>
@@ -8695,7 +8918,7 @@
             <a:r>
               <a:rPr lang="en-US" sz="2000" dirty="0" smtClean="0">
                 <a:solidFill>
-                  <a:srgbClr val="FF0000"/>
+                  <a:schemeClr val="bg1"/>
                 </a:solidFill>
               </a:rPr>
               <a:t>/</a:t>
@@ -8703,7 +8926,7 @@
             <a:r>
               <a:rPr lang="en-US" sz="2000" dirty="0" err="1" smtClean="0">
                 <a:solidFill>
-                  <a:srgbClr val="FF0000"/>
+                  <a:schemeClr val="bg1"/>
                 </a:solidFill>
               </a:rPr>
               <a:t>etc</a:t>
@@ -8711,7 +8934,7 @@
             <a:r>
               <a:rPr lang="en-US" sz="2000" dirty="0" smtClean="0">
                 <a:solidFill>
-                  <a:srgbClr val="FF0000"/>
+                  <a:schemeClr val="bg1"/>
                 </a:solidFill>
               </a:rPr>
               <a:t>/</a:t>
@@ -8719,7 +8942,7 @@
             <a:r>
               <a:rPr lang="en-US" sz="2000" dirty="0" err="1" smtClean="0">
                 <a:solidFill>
-                  <a:srgbClr val="FF0000"/>
+                  <a:schemeClr val="bg1"/>
                 </a:solidFill>
               </a:rPr>
               <a:t>cron.hourly</a:t>
@@ -8735,7 +8958,7 @@
             <a:r>
               <a:rPr lang="en-US" sz="2000" dirty="0" err="1" smtClean="0">
                 <a:solidFill>
-                  <a:srgbClr val="FF0000"/>
+                  <a:schemeClr val="bg1"/>
                 </a:solidFill>
               </a:rPr>
               <a:t>cron.daily</a:t>
@@ -8751,7 +8974,7 @@
             <a:r>
               <a:rPr lang="en-US" sz="2000" dirty="0" err="1" smtClean="0">
                 <a:solidFill>
-                  <a:srgbClr val="FF0000"/>
+                  <a:schemeClr val="bg1"/>
                 </a:solidFill>
               </a:rPr>
               <a:t>cron.weekly</a:t>
@@ -8767,7 +8990,7 @@
             <a:r>
               <a:rPr lang="en-US" sz="2000" dirty="0" err="1" smtClean="0">
                 <a:solidFill>
-                  <a:srgbClr val="FF0000"/>
+                  <a:schemeClr val="bg1"/>
                 </a:solidFill>
               </a:rPr>
               <a:t>cron.monthly</a:t>
@@ -8798,7 +9021,7 @@
             <a:r>
               <a:rPr lang="en-US" sz="2000" dirty="0" err="1" smtClean="0">
                 <a:solidFill>
-                  <a:srgbClr val="FF0000"/>
+                  <a:schemeClr val="bg1"/>
                 </a:solidFill>
               </a:rPr>
               <a:t>crontab</a:t>
@@ -8806,53 +9029,77 @@
             <a:r>
               <a:rPr lang="en-US" sz="2000" dirty="0" smtClean="0">
                 <a:solidFill>
-                  <a:srgbClr val="FF0000"/>
-                </a:solidFill>
-              </a:rPr>
-              <a:t> -e</a:t>
-            </a:r>
-            <a:r>
-              <a:rPr lang="en-US" sz="2000" dirty="0" smtClean="0">
-                <a:solidFill>
-                  <a:schemeClr val="accent6"/>
-                </a:solidFill>
-              </a:rPr>
-              <a:t/>
-            </a:r>
-            <a:br>
-              <a:rPr lang="en-US" sz="2000" dirty="0" smtClean="0">
-                <a:solidFill>
-                  <a:schemeClr val="accent6"/>
-                </a:solidFill>
-              </a:rPr>
-            </a:br>
-            <a:r>
-              <a:rPr lang="en-US" sz="2000" dirty="0" smtClean="0">
-                <a:solidFill>
-                  <a:schemeClr val="accent6"/>
-                </a:solidFill>
-              </a:rPr>
-              <a:t/>
-            </a:r>
-            <a:br>
-              <a:rPr lang="en-US" sz="2000" dirty="0" smtClean="0">
-                <a:solidFill>
-                  <a:schemeClr val="accent6"/>
-                </a:solidFill>
-              </a:rPr>
-            </a:br>
-            <a:r>
-              <a:rPr lang="en-US" sz="2000" dirty="0" smtClean="0">
-                <a:solidFill>
-                  <a:schemeClr val="accent6"/>
-                </a:solidFill>
-              </a:rPr>
-              <a:t>As good Linux admins, we do not configure the /</a:t>
+                  <a:schemeClr val="bg1"/>
+                </a:solidFill>
+              </a:rPr>
+              <a:t> </a:t>
+            </a:r>
+            <a:r>
+              <a:rPr lang="en-US" sz="2000" dirty="0" smtClean="0">
+                <a:solidFill>
+                  <a:schemeClr val="bg1"/>
+                </a:solidFill>
+              </a:rPr>
+              <a:t>-e</a:t>
+            </a:r>
+            <a:r>
+              <a:rPr lang="en-US" sz="2000" dirty="0" smtClean="0">
+                <a:solidFill>
+                  <a:schemeClr val="accent6"/>
+                </a:solidFill>
+              </a:rPr>
+              <a:t/>
+            </a:r>
+            <a:br>
+              <a:rPr lang="en-US" sz="2000" dirty="0" smtClean="0">
+                <a:solidFill>
+                  <a:schemeClr val="accent6"/>
+                </a:solidFill>
+              </a:rPr>
+            </a:br>
+            <a:r>
+              <a:rPr lang="en-US" sz="2000" dirty="0" smtClean="0">
+                <a:solidFill>
+                  <a:schemeClr val="accent6"/>
+                </a:solidFill>
+              </a:rPr>
+              <a:t/>
+            </a:r>
+            <a:br>
+              <a:rPr lang="en-US" sz="2000" dirty="0" smtClean="0">
+                <a:solidFill>
+                  <a:schemeClr val="accent6"/>
+                </a:solidFill>
+              </a:rPr>
+            </a:br>
+            <a:r>
+              <a:rPr lang="en-US" sz="2000" dirty="0" smtClean="0">
+                <a:solidFill>
+                  <a:schemeClr val="accent6"/>
+                </a:solidFill>
+              </a:rPr>
+              <a:t>As good Linux admins, we do </a:t>
+            </a:r>
+            <a:r>
+              <a:rPr lang="en-US" sz="2000" dirty="0" smtClean="0">
+                <a:solidFill>
+                  <a:schemeClr val="accent6"/>
+                </a:solidFill>
+              </a:rPr>
+              <a:t>note edit the </a:t>
+            </a:r>
+            <a:r>
+              <a:rPr lang="en-US" sz="2000" dirty="0" smtClean="0">
+                <a:solidFill>
+                  <a:schemeClr val="bg1"/>
+                </a:solidFill>
+              </a:rPr>
+              <a:t>/</a:t>
             </a:r>
             <a:r>
               <a:rPr lang="en-US" sz="2000" dirty="0" err="1" smtClean="0">
                 <a:solidFill>
-                  <a:schemeClr val="accent6"/>
+                  <a:schemeClr val="bg1"/>
                 </a:solidFill>
               </a:rPr>
               <a:t>etc</a:t>
@@ -8860,7 +9107,7 @@
             <a:r>
               <a:rPr lang="en-US" sz="2000" dirty="0" smtClean="0">
                 <a:solidFill>
-                  <a:schemeClr val="accent6"/>
+                  <a:schemeClr val="bg1"/>
                 </a:solidFill>
               </a:rPr>
               <a:t>/</a:t>
@@ -8868,7 +9115,7 @@
             <a:r>
               <a:rPr lang="en-US" sz="2000" dirty="0" err="1" smtClean="0">
                 <a:solidFill>
-                  <a:schemeClr val="accent6"/>
+                  <a:schemeClr val="bg1"/>
                 </a:solidFill>
               </a:rPr>
               <a:t>crontab</a:t>
@@ -8876,10 +9123,18 @@
             <a:r>
               <a:rPr lang="en-US" sz="2000" dirty="0" smtClean="0">
                 <a:solidFill>
-                  <a:schemeClr val="accent6"/>
-                </a:solidFill>
-              </a:rPr>
-              <a:t> file</a:t>
+                  <a:schemeClr val="bg1"/>
+                </a:solidFill>
+              </a:rPr>
+              <a:t> </a:t>
+            </a:r>
+            <a:r>
+              <a:rPr lang="en-US" sz="2000" dirty="0" smtClean="0">
+                <a:solidFill>
+                  <a:schemeClr val="accent6"/>
+                </a:solidFill>
+              </a:rPr>
+              <a:t>file</a:t>
             </a:r>
             <a:endParaRPr lang="en-US" sz="2000" dirty="0">
               <a:solidFill>
@@ -8959,7 +9214,7 @@
             <a:r>
               <a:rPr lang="en-US" sz="2400" dirty="0" err="1" smtClean="0">
                 <a:solidFill>
-                  <a:schemeClr val="accent6"/>
+                  <a:schemeClr val="bg1"/>
                 </a:solidFill>
               </a:rPr>
               <a:t>cron</a:t>
@@ -8975,7 +9230,7 @@
             <a:r>
               <a:rPr lang="en-US" sz="2400" dirty="0" err="1" smtClean="0">
                 <a:solidFill>
-                  <a:schemeClr val="accent6"/>
+                  <a:schemeClr val="bg1"/>
                 </a:solidFill>
               </a:rPr>
               <a:t>anacron</a:t>
@@ -8991,7 +9246,7 @@
             <a:r>
               <a:rPr lang="en-US" sz="2400" dirty="0" err="1" smtClean="0">
                 <a:solidFill>
-                  <a:schemeClr val="accent6"/>
+                  <a:schemeClr val="bg1"/>
                 </a:solidFill>
               </a:rPr>
               <a:t>cron</a:t>
@@ -9052,7 +9307,7 @@
             <a:r>
               <a:rPr lang="en-US" dirty="0" err="1" smtClean="0">
                 <a:solidFill>
-                  <a:schemeClr val="accent6"/>
+                  <a:schemeClr val="bg1"/>
                 </a:solidFill>
               </a:rPr>
               <a:t>anacron</a:t>

--- a/09.Softwaremagement_And_Cron/09-SoftwareManagementAndCron.pptx
+++ b/09.Softwaremagement_And_Cron/09-SoftwareManagementAndCron.pptx
@@ -226,7 +226,7 @@
           <a:p>
             <a:fld id="{75861919-8521-4274-BB91-998CD62CEE44}" type="datetimeFigureOut">
               <a:rPr lang="en-US" smtClean="0"/>
-              <a:t>4/21/17</a:t>
+              <a:t>4/25/17</a:t>
             </a:fld>
             <a:endParaRPr lang="en-US"/>
           </a:p>
@@ -759,7 +759,7 @@
           <a:p>
             <a:fld id="{3EA744D9-3FBE-48D8-BF2A-85DF203E4D20}" type="datetimeFigureOut">
               <a:rPr lang="bg-BG" smtClean="0"/>
-              <a:t>21.04.17 г.</a:t>
+              <a:t>25.04.17 г.</a:t>
             </a:fld>
             <a:endParaRPr lang="bg-BG"/>
           </a:p>
@@ -929,7 +929,7 @@
           <a:p>
             <a:fld id="{3EA744D9-3FBE-48D8-BF2A-85DF203E4D20}" type="datetimeFigureOut">
               <a:rPr lang="bg-BG" smtClean="0"/>
-              <a:t>21.04.17 г.</a:t>
+              <a:t>25.04.17 г.</a:t>
             </a:fld>
             <a:endParaRPr lang="bg-BG"/>
           </a:p>
@@ -1109,7 +1109,7 @@
           <a:p>
             <a:fld id="{3EA744D9-3FBE-48D8-BF2A-85DF203E4D20}" type="datetimeFigureOut">
               <a:rPr lang="bg-BG" smtClean="0"/>
-              <a:t>21.04.17 г.</a:t>
+              <a:t>25.04.17 г.</a:t>
             </a:fld>
             <a:endParaRPr lang="bg-BG"/>
           </a:p>
@@ -1279,7 +1279,7 @@
           <a:p>
             <a:fld id="{3EA744D9-3FBE-48D8-BF2A-85DF203E4D20}" type="datetimeFigureOut">
               <a:rPr lang="bg-BG" smtClean="0"/>
-              <a:t>21.04.17 г.</a:t>
+              <a:t>25.04.17 г.</a:t>
             </a:fld>
             <a:endParaRPr lang="bg-BG"/>
           </a:p>
@@ -1525,7 +1525,7 @@
           <a:p>
             <a:fld id="{3EA744D9-3FBE-48D8-BF2A-85DF203E4D20}" type="datetimeFigureOut">
               <a:rPr lang="bg-BG" smtClean="0"/>
-              <a:t>21.04.17 г.</a:t>
+              <a:t>25.04.17 г.</a:t>
             </a:fld>
             <a:endParaRPr lang="bg-BG"/>
           </a:p>
@@ -1813,7 +1813,7 @@
           <a:p>
             <a:fld id="{3EA744D9-3FBE-48D8-BF2A-85DF203E4D20}" type="datetimeFigureOut">
               <a:rPr lang="bg-BG" smtClean="0"/>
-              <a:t>21.04.17 г.</a:t>
+              <a:t>25.04.17 г.</a:t>
             </a:fld>
             <a:endParaRPr lang="bg-BG"/>
           </a:p>
@@ -2235,7 +2235,7 @@
           <a:p>
             <a:fld id="{3EA744D9-3FBE-48D8-BF2A-85DF203E4D20}" type="datetimeFigureOut">
               <a:rPr lang="bg-BG" smtClean="0"/>
-              <a:t>21.04.17 г.</a:t>
+              <a:t>25.04.17 г.</a:t>
             </a:fld>
             <a:endParaRPr lang="bg-BG"/>
           </a:p>
@@ -2353,7 +2353,7 @@
           <a:p>
             <a:fld id="{3EA744D9-3FBE-48D8-BF2A-85DF203E4D20}" type="datetimeFigureOut">
               <a:rPr lang="bg-BG" smtClean="0"/>
-              <a:t>21.04.17 г.</a:t>
+              <a:t>25.04.17 г.</a:t>
             </a:fld>
             <a:endParaRPr lang="bg-BG"/>
           </a:p>
@@ -2448,7 +2448,7 @@
           <a:p>
             <a:fld id="{3EA744D9-3FBE-48D8-BF2A-85DF203E4D20}" type="datetimeFigureOut">
               <a:rPr lang="bg-BG" smtClean="0"/>
-              <a:t>21.04.17 г.</a:t>
+              <a:t>25.04.17 г.</a:t>
             </a:fld>
             <a:endParaRPr lang="bg-BG"/>
           </a:p>
@@ -2725,7 +2725,7 @@
           <a:p>
             <a:fld id="{3EA744D9-3FBE-48D8-BF2A-85DF203E4D20}" type="datetimeFigureOut">
               <a:rPr lang="bg-BG" smtClean="0"/>
-              <a:t>21.04.17 г.</a:t>
+              <a:t>25.04.17 г.</a:t>
             </a:fld>
             <a:endParaRPr lang="bg-BG"/>
           </a:p>
@@ -2978,7 +2978,7 @@
           <a:p>
             <a:fld id="{3EA744D9-3FBE-48D8-BF2A-85DF203E4D20}" type="datetimeFigureOut">
               <a:rPr lang="bg-BG" smtClean="0"/>
-              <a:t>21.04.17 г.</a:t>
+              <a:t>25.04.17 г.</a:t>
             </a:fld>
             <a:endParaRPr lang="bg-BG"/>
           </a:p>
@@ -3200,7 +3200,7 @@
           <a:p>
             <a:fld id="{3EA744D9-3FBE-48D8-BF2A-85DF203E4D20}" type="datetimeFigureOut">
               <a:rPr lang="bg-BG" smtClean="0"/>
-              <a:t>21.04.17 г.</a:t>
+              <a:t>25.04.17 г.</a:t>
             </a:fld>
             <a:endParaRPr lang="bg-BG"/>
           </a:p>
@@ -4003,23 +4003,7 @@
                   <a:schemeClr val="accent6"/>
                 </a:solidFill>
               </a:rPr>
-              <a:t>Software on Red Hat Enterprise </a:t>
-            </a:r>
-            <a:r>
-              <a:rPr lang="en-US" sz="3100" dirty="0" smtClean="0">
-                <a:solidFill>
-                  <a:schemeClr val="accent6"/>
-                </a:solidFill>
-              </a:rPr>
-              <a:t>Linux s </a:t>
-            </a:r>
-            <a:r>
-              <a:rPr lang="en-US" sz="3100" dirty="0" smtClean="0">
-                <a:solidFill>
-                  <a:schemeClr val="accent6"/>
-                </a:solidFill>
-              </a:rPr>
-              <a:t>is provided in the RPM format(Red Hat Package Manager). This is a specific format used to archive the package and provide package metadata as well. </a:t>
+              <a:t>Software on Red Hat Enterprise Linux s is provided in the RPM format(Red Hat Package Manager). This is a specific format used to archive the package and provide package metadata as well. </a:t>
             </a:r>
             <a:r>
               <a:rPr lang="en-US" sz="3100" dirty="0">
@@ -4788,83 +4772,121 @@
                   <a:srgbClr val="FF0000"/>
                 </a:solidFill>
               </a:rPr>
-              <a:t>Homework</a:t>
-            </a:r>
-            <a:r>
+              <a:t>Homework:</a:t>
+            </a:r>
+            <a:br>
               <a:rPr lang="en-US" sz="2700" dirty="0" smtClean="0">
                 <a:solidFill>
                   <a:srgbClr val="FF0000"/>
                 </a:solidFill>
               </a:rPr>
-              <a:t>:</a:t>
-            </a:r>
-            <a:br>
+            </a:br>
+            <a:r>
               <a:rPr lang="en-US" sz="2700" dirty="0" smtClean="0">
                 <a:solidFill>
-                  <a:srgbClr val="FF0000"/>
-                </a:solidFill>
-              </a:rPr>
-            </a:br>
-            <a:r>
+                  <a:schemeClr val="accent6"/>
+                </a:solidFill>
+              </a:rPr>
+              <a:t/>
+            </a:r>
+            <a:br>
               <a:rPr lang="en-US" sz="2700" dirty="0" smtClean="0">
                 <a:solidFill>
                   <a:schemeClr val="accent6"/>
                 </a:solidFill>
               </a:rPr>
-              <a:t/>
-            </a:r>
-            <a:br>
+            </a:br>
+            <a:r>
               <a:rPr lang="en-US" sz="2700" dirty="0" smtClean="0">
                 <a:solidFill>
                   <a:schemeClr val="accent6"/>
                 </a:solidFill>
               </a:rPr>
-            </a:br>
-            <a:r>
+              <a:t>1. Write on a piece of paper the difference between yum and rpm, and provide an example.</a:t>
+            </a:r>
+            <a:br>
               <a:rPr lang="en-US" sz="2700" dirty="0" smtClean="0">
                 <a:solidFill>
                   <a:schemeClr val="accent6"/>
                 </a:solidFill>
               </a:rPr>
-              <a:t>1. Write on a piece of paper the difference between yum and rpm, and provide an example.</a:t>
-            </a:r>
-            <a:br>
+            </a:br>
+            <a:r>
               <a:rPr lang="en-US" sz="2700" dirty="0" smtClean="0">
                 <a:solidFill>
                   <a:schemeClr val="accent6"/>
                 </a:solidFill>
               </a:rPr>
-            </a:br>
-            <a:r>
+              <a:t/>
+            </a:r>
+            <a:br>
               <a:rPr lang="en-US" sz="2700" dirty="0" smtClean="0">
                 <a:solidFill>
                   <a:schemeClr val="accent6"/>
                 </a:solidFill>
               </a:rPr>
-              <a:t/>
-            </a:r>
-            <a:br>
+            </a:br>
+            <a:r>
               <a:rPr lang="en-US" sz="2700" dirty="0" smtClean="0">
                 <a:solidFill>
                   <a:schemeClr val="accent6"/>
                 </a:solidFill>
               </a:rPr>
-            </a:br>
+              <a:t>2. Delete the local created Fedora EPEL repo, create it again from scratch without using the ‘</a:t>
+            </a:r>
+            <a:r>
+              <a:rPr lang="en-US" sz="2700" dirty="0" err="1" smtClean="0">
+                <a:solidFill>
+                  <a:schemeClr val="bg1"/>
+                </a:solidFill>
+              </a:rPr>
+              <a:t>yum_config_manager</a:t>
+            </a:r>
             <a:r>
               <a:rPr lang="en-US" sz="2700" dirty="0" smtClean="0">
                 <a:solidFill>
                   <a:schemeClr val="accent6"/>
                 </a:solidFill>
               </a:rPr>
-              <a:t>2. Delete the local created Fedora EPEL repo, create it again from scratch without using the ‘</a:t>
+              <a:t>’.</a:t>
+            </a:r>
+            <a:br>
+              <a:rPr lang="en-US" sz="2700" dirty="0" smtClean="0">
+                <a:solidFill>
+                  <a:schemeClr val="accent6"/>
+                </a:solidFill>
+              </a:rPr>
+            </a:br>
+            <a:r>
+              <a:rPr lang="en-US" sz="2700" dirty="0" smtClean="0">
+                <a:solidFill>
+                  <a:schemeClr val="accent6"/>
+                </a:solidFill>
+              </a:rPr>
+              <a:t/>
+            </a:r>
+            <a:br>
+              <a:rPr lang="en-US" sz="2700" dirty="0" smtClean="0">
+                <a:solidFill>
+                  <a:schemeClr val="accent6"/>
+                </a:solidFill>
+              </a:rPr>
+            </a:br>
+            <a:r>
+              <a:rPr lang="en-US" sz="2700" dirty="0" smtClean="0">
+                <a:solidFill>
+                  <a:schemeClr val="accent6"/>
+                </a:solidFill>
+              </a:rPr>
+              <a:t>3. Make a simple shell script, that creates a tar.gz compressed archive of your /home directory and set up a </a:t>
             </a:r>
             <a:r>
               <a:rPr lang="en-US" sz="2700" dirty="0" err="1" smtClean="0">
                 <a:solidFill>
-                  <a:schemeClr val="bg1"/>
-                </a:solidFill>
-              </a:rPr>
-              <a:t>yum_config_manager</a:t>
+                  <a:schemeClr val="accent6"/>
+                </a:solidFill>
+              </a:rPr>
+              <a:t>cron</a:t>
             </a:r>
             <a:r>
               <a:rPr lang="en-US" sz="2700" dirty="0" smtClean="0">
@@ -4872,52 +4894,6 @@
                   <a:schemeClr val="accent6"/>
                 </a:solidFill>
               </a:rPr>
-              <a:t>’.</a:t>
-            </a:r>
-            <a:br>
-              <a:rPr lang="en-US" sz="2700" dirty="0" smtClean="0">
-                <a:solidFill>
-                  <a:schemeClr val="accent6"/>
-                </a:solidFill>
-              </a:rPr>
-            </a:br>
-            <a:r>
-              <a:rPr lang="en-US" sz="2700" dirty="0" smtClean="0">
-                <a:solidFill>
-                  <a:schemeClr val="accent6"/>
-                </a:solidFill>
-              </a:rPr>
-              <a:t/>
-            </a:r>
-            <a:br>
-              <a:rPr lang="en-US" sz="2700" dirty="0" smtClean="0">
-                <a:solidFill>
-                  <a:schemeClr val="accent6"/>
-                </a:solidFill>
-              </a:rPr>
-            </a:br>
-            <a:r>
-              <a:rPr lang="en-US" sz="2700" dirty="0" smtClean="0">
-                <a:solidFill>
-                  <a:schemeClr val="accent6"/>
-                </a:solidFill>
-              </a:rPr>
-              <a:t>3. Make a simple shell script, that creates a tar.gz compressed archive of your /home directory and set up a </a:t>
-            </a:r>
-            <a:r>
-              <a:rPr lang="en-US" sz="2700" dirty="0" err="1" smtClean="0">
-                <a:solidFill>
-                  <a:schemeClr val="accent6"/>
-                </a:solidFill>
-              </a:rPr>
-              <a:t>cron</a:t>
-            </a:r>
-            <a:r>
-              <a:rPr lang="en-US" sz="2700" dirty="0" smtClean="0">
-                <a:solidFill>
-                  <a:schemeClr val="accent6"/>
-                </a:solidFill>
-              </a:rPr>
               <a:t> job to run </a:t>
             </a:r>
             <a:r>
@@ -4926,15 +4902,7 @@
                   <a:schemeClr val="accent6"/>
                 </a:solidFill>
               </a:rPr>
-              <a:t>on </a:t>
-            </a:r>
-            <a:r>
-              <a:rPr lang="en-US" sz="2700" smtClean="0">
-                <a:solidFill>
-                  <a:schemeClr val="accent6"/>
-                </a:solidFill>
-              </a:rPr>
-              <a:t>each Thursday</a:t>
+              <a:t>on each Thursday</a:t>
             </a:r>
             <a:r>
               <a:rPr lang="en-US" sz="2700" dirty="0" smtClean="0">
@@ -6745,7 +6713,7 @@
             <a:r>
               <a:rPr lang="en-US" sz="2000" dirty="0" err="1">
                 <a:solidFill>
-                  <a:schemeClr val="accent6"/>
+                  <a:schemeClr val="bg1"/>
                 </a:solidFill>
               </a:rPr>
               <a:t>gpgcheck</a:t>
@@ -6753,22 +6721,30 @@
             <a:r>
               <a:rPr lang="en-US" sz="2000" dirty="0">
                 <a:solidFill>
-                  <a:schemeClr val="accent6"/>
+                  <a:schemeClr val="bg1"/>
                 </a:solidFill>
               </a:rPr>
               <a:t>=1</a:t>
             </a:r>
-            <a:br>
+            <a:r>
               <a:rPr lang="en-US" sz="2000" dirty="0">
                 <a:solidFill>
                   <a:schemeClr val="accent6"/>
                 </a:solidFill>
               </a:rPr>
+              <a:t/>
+            </a:r>
+            <a:br>
+              <a:rPr lang="en-US" sz="2000" dirty="0">
+                <a:solidFill>
+                  <a:schemeClr val="accent6"/>
+                </a:solidFill>
+              </a:rPr>
             </a:br>
             <a:r>
               <a:rPr lang="en-US" sz="2000" dirty="0" err="1">
                 <a:solidFill>
-                  <a:schemeClr val="accent6"/>
+                  <a:schemeClr val="bg1"/>
                 </a:solidFill>
               </a:rPr>
               <a:t>gpgkey</a:t>
@@ -6776,10 +6752,18 @@
             <a:r>
               <a:rPr lang="en-US" sz="2000" dirty="0">
                 <a:solidFill>
-                  <a:schemeClr val="accent6"/>
+                  <a:schemeClr val="bg1"/>
                 </a:solidFill>
               </a:rPr>
               <a:t>=file:///etc/pki/rpm-gpg/RPM-GPG-KEY-CentOS-7</a:t>
+            </a:r>
+            <a:r>
+              <a:rPr lang="en-US" sz="2000" dirty="0">
+                <a:solidFill>
+                  <a:schemeClr val="accent6"/>
+                </a:solidFill>
+              </a:rPr>
+              <a:t/>
             </a:r>
             <a:br>
               <a:rPr lang="en-US" sz="2000" dirty="0">
@@ -9032,61 +9016,45 @@
                   <a:schemeClr val="bg1"/>
                 </a:solidFill>
               </a:rPr>
-              <a:t> </a:t>
-            </a:r>
-            <a:r>
-              <a:rPr lang="en-US" sz="2000" dirty="0" smtClean="0">
-                <a:solidFill>
-                  <a:schemeClr val="bg1"/>
-                </a:solidFill>
-              </a:rPr>
-              <a:t>-e</a:t>
-            </a:r>
-            <a:r>
-              <a:rPr lang="en-US" sz="2000" dirty="0" smtClean="0">
-                <a:solidFill>
-                  <a:schemeClr val="accent6"/>
-                </a:solidFill>
-              </a:rPr>
-              <a:t/>
-            </a:r>
-            <a:br>
-              <a:rPr lang="en-US" sz="2000" dirty="0" smtClean="0">
-                <a:solidFill>
-                  <a:schemeClr val="accent6"/>
-                </a:solidFill>
-              </a:rPr>
-            </a:br>
-            <a:r>
-              <a:rPr lang="en-US" sz="2000" dirty="0" smtClean="0">
-                <a:solidFill>
-                  <a:schemeClr val="accent6"/>
-                </a:solidFill>
-              </a:rPr>
-              <a:t/>
-            </a:r>
-            <a:br>
-              <a:rPr lang="en-US" sz="2000" dirty="0" smtClean="0">
-                <a:solidFill>
-                  <a:schemeClr val="accent6"/>
-                </a:solidFill>
-              </a:rPr>
-            </a:br>
-            <a:r>
-              <a:rPr lang="en-US" sz="2000" dirty="0" smtClean="0">
-                <a:solidFill>
-                  <a:schemeClr val="accent6"/>
-                </a:solidFill>
-              </a:rPr>
-              <a:t>As good Linux admins, we do </a:t>
-            </a:r>
-            <a:r>
-              <a:rPr lang="en-US" sz="2000" dirty="0" smtClean="0">
-                <a:solidFill>
-                  <a:schemeClr val="accent6"/>
-                </a:solidFill>
-              </a:rPr>
-              <a:t>note edit the </a:t>
+              <a:t> -e</a:t>
+            </a:r>
+            <a:r>
+              <a:rPr lang="en-US" sz="2000" dirty="0" smtClean="0">
+                <a:solidFill>
+                  <a:schemeClr val="accent6"/>
+                </a:solidFill>
+              </a:rPr>
+              <a:t/>
+            </a:r>
+            <a:br>
+              <a:rPr lang="en-US" sz="2000" dirty="0" smtClean="0">
+                <a:solidFill>
+                  <a:schemeClr val="accent6"/>
+                </a:solidFill>
+              </a:rPr>
+            </a:br>
+            <a:r>
+              <a:rPr lang="en-US" sz="2000" dirty="0" smtClean="0">
+                <a:solidFill>
+                  <a:schemeClr val="accent6"/>
+                </a:solidFill>
+              </a:rPr>
+              <a:t/>
+            </a:r>
+            <a:br>
+              <a:rPr lang="en-US" sz="2000" dirty="0" smtClean="0">
+                <a:solidFill>
+                  <a:schemeClr val="accent6"/>
+                </a:solidFill>
+              </a:rPr>
+            </a:br>
+            <a:r>
+              <a:rPr lang="en-US" sz="2000" dirty="0" smtClean="0">
+                <a:solidFill>
+                  <a:schemeClr val="accent6"/>
+                </a:solidFill>
+              </a:rPr>
+              <a:t>As good Linux admins, we do note edit the </a:t>
             </a:r>
             <a:r>
               <a:rPr lang="en-US" sz="2000" dirty="0" smtClean="0">

--- a/09.Softwaremagement_And_Cron/09-SoftwareManagementAndCron.pptx
+++ b/09.Softwaremagement_And_Cron/09-SoftwareManagementAndCron.pptx
@@ -226,7 +226,7 @@
           <a:p>
             <a:fld id="{75861919-8521-4274-BB91-998CD62CEE44}" type="datetimeFigureOut">
               <a:rPr lang="en-US" smtClean="0"/>
-              <a:t>4/25/17</a:t>
+              <a:t>5/4/17</a:t>
             </a:fld>
             <a:endParaRPr lang="en-US"/>
           </a:p>
@@ -759,7 +759,7 @@
           <a:p>
             <a:fld id="{3EA744D9-3FBE-48D8-BF2A-85DF203E4D20}" type="datetimeFigureOut">
               <a:rPr lang="bg-BG" smtClean="0"/>
-              <a:t>25.04.17 г.</a:t>
+              <a:t>4.05.17 г.</a:t>
             </a:fld>
             <a:endParaRPr lang="bg-BG"/>
           </a:p>
@@ -929,7 +929,7 @@
           <a:p>
             <a:fld id="{3EA744D9-3FBE-48D8-BF2A-85DF203E4D20}" type="datetimeFigureOut">
               <a:rPr lang="bg-BG" smtClean="0"/>
-              <a:t>25.04.17 г.</a:t>
+              <a:t>4.05.17 г.</a:t>
             </a:fld>
             <a:endParaRPr lang="bg-BG"/>
           </a:p>
@@ -1109,7 +1109,7 @@
           <a:p>
             <a:fld id="{3EA744D9-3FBE-48D8-BF2A-85DF203E4D20}" type="datetimeFigureOut">
               <a:rPr lang="bg-BG" smtClean="0"/>
-              <a:t>25.04.17 г.</a:t>
+              <a:t>4.05.17 г.</a:t>
             </a:fld>
             <a:endParaRPr lang="bg-BG"/>
           </a:p>
@@ -1279,7 +1279,7 @@
           <a:p>
             <a:fld id="{3EA744D9-3FBE-48D8-BF2A-85DF203E4D20}" type="datetimeFigureOut">
               <a:rPr lang="bg-BG" smtClean="0"/>
-              <a:t>25.04.17 г.</a:t>
+              <a:t>4.05.17 г.</a:t>
             </a:fld>
             <a:endParaRPr lang="bg-BG"/>
           </a:p>
@@ -1525,7 +1525,7 @@
           <a:p>
             <a:fld id="{3EA744D9-3FBE-48D8-BF2A-85DF203E4D20}" type="datetimeFigureOut">
               <a:rPr lang="bg-BG" smtClean="0"/>
-              <a:t>25.04.17 г.</a:t>
+              <a:t>4.05.17 г.</a:t>
             </a:fld>
             <a:endParaRPr lang="bg-BG"/>
           </a:p>
@@ -1813,7 +1813,7 @@
           <a:p>
             <a:fld id="{3EA744D9-3FBE-48D8-BF2A-85DF203E4D20}" type="datetimeFigureOut">
               <a:rPr lang="bg-BG" smtClean="0"/>
-              <a:t>25.04.17 г.</a:t>
+              <a:t>4.05.17 г.</a:t>
             </a:fld>
             <a:endParaRPr lang="bg-BG"/>
           </a:p>
@@ -2235,7 +2235,7 @@
           <a:p>
             <a:fld id="{3EA744D9-3FBE-48D8-BF2A-85DF203E4D20}" type="datetimeFigureOut">
               <a:rPr lang="bg-BG" smtClean="0"/>
-              <a:t>25.04.17 г.</a:t>
+              <a:t>4.05.17 г.</a:t>
             </a:fld>
             <a:endParaRPr lang="bg-BG"/>
           </a:p>
@@ -2353,7 +2353,7 @@
           <a:p>
             <a:fld id="{3EA744D9-3FBE-48D8-BF2A-85DF203E4D20}" type="datetimeFigureOut">
               <a:rPr lang="bg-BG" smtClean="0"/>
-              <a:t>25.04.17 г.</a:t>
+              <a:t>4.05.17 г.</a:t>
             </a:fld>
             <a:endParaRPr lang="bg-BG"/>
           </a:p>
@@ -2448,7 +2448,7 @@
           <a:p>
             <a:fld id="{3EA744D9-3FBE-48D8-BF2A-85DF203E4D20}" type="datetimeFigureOut">
               <a:rPr lang="bg-BG" smtClean="0"/>
-              <a:t>25.04.17 г.</a:t>
+              <a:t>4.05.17 г.</a:t>
             </a:fld>
             <a:endParaRPr lang="bg-BG"/>
           </a:p>
@@ -2725,7 +2725,7 @@
           <a:p>
             <a:fld id="{3EA744D9-3FBE-48D8-BF2A-85DF203E4D20}" type="datetimeFigureOut">
               <a:rPr lang="bg-BG" smtClean="0"/>
-              <a:t>25.04.17 г.</a:t>
+              <a:t>4.05.17 г.</a:t>
             </a:fld>
             <a:endParaRPr lang="bg-BG"/>
           </a:p>
@@ -2978,7 +2978,7 @@
           <a:p>
             <a:fld id="{3EA744D9-3FBE-48D8-BF2A-85DF203E4D20}" type="datetimeFigureOut">
               <a:rPr lang="bg-BG" smtClean="0"/>
-              <a:t>25.04.17 г.</a:t>
+              <a:t>4.05.17 г.</a:t>
             </a:fld>
             <a:endParaRPr lang="bg-BG"/>
           </a:p>
@@ -3200,7 +3200,7 @@
           <a:p>
             <a:fld id="{3EA744D9-3FBE-48D8-BF2A-85DF203E4D20}" type="datetimeFigureOut">
               <a:rPr lang="bg-BG" smtClean="0"/>
-              <a:t>25.04.17 г.</a:t>
+              <a:t>4.05.17 г.</a:t>
             </a:fld>
             <a:endParaRPr lang="bg-BG"/>
           </a:p>
@@ -6629,7 +6629,7 @@
             <a:r>
               <a:rPr lang="en-US" sz="2000" dirty="0" err="1" smtClean="0">
                 <a:solidFill>
-                  <a:schemeClr val="accent6"/>
+                  <a:schemeClr val="bg1"/>
                 </a:solidFill>
               </a:rPr>
               <a:t>yum.conf</a:t>
@@ -6637,15 +6637,23 @@
             <a:r>
               <a:rPr lang="en-US" sz="2000" dirty="0" smtClean="0">
                 <a:solidFill>
-                  <a:schemeClr val="accent6"/>
-                </a:solidFill>
-              </a:rPr>
-              <a:t> to explain the </a:t>
+                  <a:schemeClr val="bg1"/>
+                </a:solidFill>
+              </a:rPr>
+              <a:t> </a:t>
+            </a:r>
+            <a:r>
+              <a:rPr lang="en-US" sz="2000" dirty="0" smtClean="0">
+                <a:solidFill>
+                  <a:schemeClr val="accent6"/>
+                </a:solidFill>
+              </a:rPr>
+              <a:t>to explain the </a:t>
             </a:r>
             <a:r>
               <a:rPr lang="en-US" sz="2000" dirty="0" err="1" smtClean="0">
                 <a:solidFill>
-                  <a:schemeClr val="accent6"/>
+                  <a:schemeClr val="bg1"/>
                 </a:solidFill>
               </a:rPr>
               <a:t>gpgcheck</a:t>
@@ -6686,7 +6694,23 @@
                   <a:schemeClr val="accent6"/>
                 </a:solidFill>
               </a:rPr>
-              <a:t>An RPM package can be signed using GNU Privacy Guard(GPG) to help you make certain your downloaded package is trustworthy. To verify a package, you must import the GNUPG key.</a:t>
+              <a:t>An RPM package can be signed using </a:t>
+            </a:r>
+            <a:r>
+              <a:rPr lang="en-US" sz="2000" dirty="0" smtClean="0">
+                <a:solidFill>
+                  <a:schemeClr val="bg1"/>
+                </a:solidFill>
+              </a:rPr>
+              <a:t>GNU Privacy Guard(GPG) </a:t>
+            </a:r>
+            <a:r>
+              <a:rPr lang="en-US" sz="2000" dirty="0" smtClean="0">
+                <a:solidFill>
+                  <a:schemeClr val="accent6"/>
+                </a:solidFill>
+              </a:rPr>
+              <a:t>to help you make certain your downloaded package is trustworthy. To verify a package, you must import the GNUPG key.</a:t>
             </a:r>
             <a:br>
               <a:rPr lang="en-US" sz="2000" dirty="0" smtClean="0">
@@ -8523,7 +8547,23 @@
                   <a:schemeClr val="accent6"/>
                 </a:solidFill>
               </a:rPr>
-              <a:t>’ service is used as a generic service to run processes automatically at specific times. It is started by default, since some system tasks are running through </a:t>
+              <a:t>’ service is used as a generic service to run processes automatically at specific times. It is started by </a:t>
+            </a:r>
+            <a:r>
+              <a:rPr lang="en-US" sz="2000" dirty="0" smtClean="0">
+                <a:solidFill>
+                  <a:schemeClr val="bg1"/>
+                </a:solidFill>
+              </a:rPr>
+              <a:t>default</a:t>
+            </a:r>
+            <a:r>
+              <a:rPr lang="en-US" sz="2000" dirty="0" smtClean="0">
+                <a:solidFill>
+                  <a:schemeClr val="accent6"/>
+                </a:solidFill>
+              </a:rPr>
+              <a:t>, since some system tasks are running through </a:t>
             </a:r>
             <a:r>
               <a:rPr lang="en-US" sz="2000" dirty="0" err="1" smtClean="0">
@@ -9296,7 +9336,7 @@
             <a:r>
               <a:rPr lang="en-US" dirty="0">
                 <a:solidFill>
-                  <a:schemeClr val="accent6"/>
+                  <a:schemeClr val="bg1"/>
                 </a:solidFill>
               </a:rPr>
               <a:t>c</a:t>
@@ -9304,7 +9344,7 @@
             <a:r>
               <a:rPr lang="en-US" dirty="0" smtClean="0">
                 <a:solidFill>
-                  <a:schemeClr val="accent6"/>
+                  <a:schemeClr val="bg1"/>
                 </a:solidFill>
               </a:rPr>
               <a:t>at /</a:t>
@@ -9312,7 +9352,7 @@
             <a:r>
               <a:rPr lang="en-US" dirty="0" err="1" smtClean="0">
                 <a:solidFill>
-                  <a:schemeClr val="accent6"/>
+                  <a:schemeClr val="bg1"/>
                 </a:solidFill>
               </a:rPr>
               <a:t>etc</a:t>
@@ -9320,7 +9360,7 @@
             <a:r>
               <a:rPr lang="en-US" dirty="0" smtClean="0">
                 <a:solidFill>
-                  <a:schemeClr val="accent6"/>
+                  <a:schemeClr val="bg1"/>
                 </a:solidFill>
               </a:rPr>
               <a:t>/</a:t>
@@ -9328,14 +9368,14 @@
             <a:r>
               <a:rPr lang="en-US" dirty="0" err="1" smtClean="0">
                 <a:solidFill>
-                  <a:schemeClr val="accent6"/>
+                  <a:schemeClr val="bg1"/>
                 </a:solidFill>
               </a:rPr>
               <a:t>anacrontab</a:t>
             </a:r>
             <a:endParaRPr lang="en-US" dirty="0">
               <a:solidFill>
-                <a:schemeClr val="accent6"/>
+                <a:schemeClr val="bg1"/>
               </a:solidFill>
             </a:endParaRPr>
           </a:p>

--- a/09.Softwaremagement_And_Cron/09-SoftwareManagementAndCron.pptx
+++ b/09.Softwaremagement_And_Cron/09-SoftwareManagementAndCron.pptx
@@ -226,7 +226,7 @@
           <a:p>
             <a:fld id="{75861919-8521-4274-BB91-998CD62CEE44}" type="datetimeFigureOut">
               <a:rPr lang="en-US" smtClean="0"/>
-              <a:t>5/4/17</a:t>
+              <a:t>5/5/17</a:t>
             </a:fld>
             <a:endParaRPr lang="en-US"/>
           </a:p>
@@ -759,7 +759,7 @@
           <a:p>
             <a:fld id="{3EA744D9-3FBE-48D8-BF2A-85DF203E4D20}" type="datetimeFigureOut">
               <a:rPr lang="bg-BG" smtClean="0"/>
-              <a:t>4.05.17 г.</a:t>
+              <a:t>5.05.17 г.</a:t>
             </a:fld>
             <a:endParaRPr lang="bg-BG"/>
           </a:p>
@@ -929,7 +929,7 @@
           <a:p>
             <a:fld id="{3EA744D9-3FBE-48D8-BF2A-85DF203E4D20}" type="datetimeFigureOut">
               <a:rPr lang="bg-BG" smtClean="0"/>
-              <a:t>4.05.17 г.</a:t>
+              <a:t>5.05.17 г.</a:t>
             </a:fld>
             <a:endParaRPr lang="bg-BG"/>
           </a:p>
@@ -1109,7 +1109,7 @@
           <a:p>
             <a:fld id="{3EA744D9-3FBE-48D8-BF2A-85DF203E4D20}" type="datetimeFigureOut">
               <a:rPr lang="bg-BG" smtClean="0"/>
-              <a:t>4.05.17 г.</a:t>
+              <a:t>5.05.17 г.</a:t>
             </a:fld>
             <a:endParaRPr lang="bg-BG"/>
           </a:p>
@@ -1279,7 +1279,7 @@
           <a:p>
             <a:fld id="{3EA744D9-3FBE-48D8-BF2A-85DF203E4D20}" type="datetimeFigureOut">
               <a:rPr lang="bg-BG" smtClean="0"/>
-              <a:t>4.05.17 г.</a:t>
+              <a:t>5.05.17 г.</a:t>
             </a:fld>
             <a:endParaRPr lang="bg-BG"/>
           </a:p>
@@ -1525,7 +1525,7 @@
           <a:p>
             <a:fld id="{3EA744D9-3FBE-48D8-BF2A-85DF203E4D20}" type="datetimeFigureOut">
               <a:rPr lang="bg-BG" smtClean="0"/>
-              <a:t>4.05.17 г.</a:t>
+              <a:t>5.05.17 г.</a:t>
             </a:fld>
             <a:endParaRPr lang="bg-BG"/>
           </a:p>
@@ -1813,7 +1813,7 @@
           <a:p>
             <a:fld id="{3EA744D9-3FBE-48D8-BF2A-85DF203E4D20}" type="datetimeFigureOut">
               <a:rPr lang="bg-BG" smtClean="0"/>
-              <a:t>4.05.17 г.</a:t>
+              <a:t>5.05.17 г.</a:t>
             </a:fld>
             <a:endParaRPr lang="bg-BG"/>
           </a:p>
@@ -2235,7 +2235,7 @@
           <a:p>
             <a:fld id="{3EA744D9-3FBE-48D8-BF2A-85DF203E4D20}" type="datetimeFigureOut">
               <a:rPr lang="bg-BG" smtClean="0"/>
-              <a:t>4.05.17 г.</a:t>
+              <a:t>5.05.17 г.</a:t>
             </a:fld>
             <a:endParaRPr lang="bg-BG"/>
           </a:p>
@@ -2353,7 +2353,7 @@
           <a:p>
             <a:fld id="{3EA744D9-3FBE-48D8-BF2A-85DF203E4D20}" type="datetimeFigureOut">
               <a:rPr lang="bg-BG" smtClean="0"/>
-              <a:t>4.05.17 г.</a:t>
+              <a:t>5.05.17 г.</a:t>
             </a:fld>
             <a:endParaRPr lang="bg-BG"/>
           </a:p>
@@ -2448,7 +2448,7 @@
           <a:p>
             <a:fld id="{3EA744D9-3FBE-48D8-BF2A-85DF203E4D20}" type="datetimeFigureOut">
               <a:rPr lang="bg-BG" smtClean="0"/>
-              <a:t>4.05.17 г.</a:t>
+              <a:t>5.05.17 г.</a:t>
             </a:fld>
             <a:endParaRPr lang="bg-BG"/>
           </a:p>
@@ -2725,7 +2725,7 @@
           <a:p>
             <a:fld id="{3EA744D9-3FBE-48D8-BF2A-85DF203E4D20}" type="datetimeFigureOut">
               <a:rPr lang="bg-BG" smtClean="0"/>
-              <a:t>4.05.17 г.</a:t>
+              <a:t>5.05.17 г.</a:t>
             </a:fld>
             <a:endParaRPr lang="bg-BG"/>
           </a:p>
@@ -2978,7 +2978,7 @@
           <a:p>
             <a:fld id="{3EA744D9-3FBE-48D8-BF2A-85DF203E4D20}" type="datetimeFigureOut">
               <a:rPr lang="bg-BG" smtClean="0"/>
-              <a:t>4.05.17 г.</a:t>
+              <a:t>5.05.17 г.</a:t>
             </a:fld>
             <a:endParaRPr lang="bg-BG"/>
           </a:p>
@@ -3200,7 +3200,7 @@
           <a:p>
             <a:fld id="{3EA744D9-3FBE-48D8-BF2A-85DF203E4D20}" type="datetimeFigureOut">
               <a:rPr lang="bg-BG" smtClean="0"/>
-              <a:t>4.05.17 г.</a:t>
+              <a:t>5.05.17 г.</a:t>
             </a:fld>
             <a:endParaRPr lang="bg-BG"/>
           </a:p>
@@ -4802,22 +4802,23 @@
                   <a:schemeClr val="accent6"/>
                 </a:solidFill>
               </a:rPr>
-              <a:t>1. Write on a piece of paper the difference between yum and rpm, and provide an example.</a:t>
-            </a:r>
-            <a:br>
+              <a:t>1. </a:t>
+            </a:r>
+            <a:r>
               <a:rPr lang="en-US" sz="2700" dirty="0" smtClean="0">
                 <a:solidFill>
                   <a:schemeClr val="accent6"/>
                 </a:solidFill>
               </a:rPr>
-            </a:br>
+              <a:t>Explain the </a:t>
+            </a:r>
             <a:r>
               <a:rPr lang="en-US" sz="2700" dirty="0" smtClean="0">
                 <a:solidFill>
                   <a:schemeClr val="accent6"/>
                 </a:solidFill>
               </a:rPr>
-              <a:t/>
+              <a:t>difference between yum and rpm, and provide an example.</a:t>
             </a:r>
             <a:br>
               <a:rPr lang="en-US" sz="2700" dirty="0" smtClean="0">
@@ -4832,6 +4833,21 @@
                   <a:schemeClr val="accent6"/>
                 </a:solidFill>
               </a:rPr>
+              <a:t/>
+            </a:r>
+            <a:br>
+              <a:rPr lang="en-US" sz="2700" dirty="0" smtClean="0">
+                <a:solidFill>
+                  <a:schemeClr val="accent6"/>
+                </a:solidFill>
+              </a:rPr>
+            </a:br>
+            <a:r>
+              <a:rPr lang="en-US" sz="2700" dirty="0" smtClean="0">
+                <a:solidFill>
+                  <a:schemeClr val="accent6"/>
+                </a:solidFill>
+              </a:rPr>
               <a:t>2. Delete the local created Fedora EPEL repo, create it again from scratch without using the ‘</a:t>
             </a:r>
             <a:r>
@@ -4894,74 +4910,74 @@
                   <a:schemeClr val="accent6"/>
                 </a:solidFill>
               </a:rPr>
-              <a:t> job to run </a:t>
-            </a:r>
-            <a:r>
-              <a:rPr lang="en-US" sz="2700" smtClean="0">
-                <a:solidFill>
-                  <a:schemeClr val="accent6"/>
-                </a:solidFill>
-              </a:rPr>
-              <a:t>on each Thursday</a:t>
-            </a:r>
-            <a:r>
+              <a:t> job to run on each Thursday.</a:t>
+            </a:r>
+            <a:br>
               <a:rPr lang="en-US" sz="2700" dirty="0" smtClean="0">
                 <a:solidFill>
                   <a:schemeClr val="accent6"/>
                 </a:solidFill>
               </a:rPr>
-              <a:t>.</a:t>
-            </a:r>
-            <a:br>
+            </a:br>
+            <a:r>
+              <a:rPr lang="en-US" sz="2700" dirty="0">
+                <a:solidFill>
+                  <a:schemeClr val="accent6"/>
+                </a:solidFill>
+              </a:rPr>
+              <a:t/>
+            </a:r>
+            <a:br>
+              <a:rPr lang="en-US" sz="2700" dirty="0">
+                <a:solidFill>
+                  <a:schemeClr val="accent6"/>
+                </a:solidFill>
+              </a:rPr>
+            </a:br>
+            <a:r>
               <a:rPr lang="en-US" sz="2700" dirty="0" smtClean="0">
                 <a:solidFill>
                   <a:schemeClr val="accent6"/>
                 </a:solidFill>
               </a:rPr>
-            </a:br>
-            <a:r>
-              <a:rPr lang="en-US" sz="2700" dirty="0">
-                <a:solidFill>
-                  <a:schemeClr val="accent6"/>
-                </a:solidFill>
-              </a:rPr>
-              <a:t/>
-            </a:r>
-            <a:br>
-              <a:rPr lang="en-US" sz="2700" dirty="0">
-                <a:solidFill>
-                  <a:schemeClr val="accent6"/>
-                </a:solidFill>
-              </a:rPr>
-            </a:br>
+              <a:t>4. Google ‘</a:t>
+            </a:r>
             <a:r>
               <a:rPr lang="en-US" sz="2700" dirty="0" smtClean="0">
                 <a:solidFill>
-                  <a:schemeClr val="accent6"/>
-                </a:solidFill>
-              </a:rPr>
-              <a:t>4. Google ‘</a:t>
+                  <a:schemeClr val="bg1"/>
+                </a:solidFill>
+              </a:rPr>
+              <a:t>at</a:t>
             </a:r>
             <a:r>
               <a:rPr lang="en-US" sz="2700" dirty="0" smtClean="0">
                 <a:solidFill>
-                  <a:schemeClr val="bg1"/>
-                </a:solidFill>
-              </a:rPr>
-              <a:t>at</a:t>
+                  <a:schemeClr val="accent6"/>
+                </a:solidFill>
+              </a:rPr>
+              <a:t>’, what is the difference between</a:t>
             </a:r>
             <a:r>
               <a:rPr lang="en-US" sz="2700" dirty="0" smtClean="0">
                 <a:solidFill>
-                  <a:schemeClr val="accent6"/>
-                </a:solidFill>
-              </a:rPr>
-              <a:t>’, what is the difference between at and </a:t>
+                  <a:schemeClr val="bg1"/>
+                </a:solidFill>
+              </a:rPr>
+              <a:t> at </a:t>
+            </a:r>
+            <a:r>
+              <a:rPr lang="en-US" sz="2700" dirty="0" smtClean="0">
+                <a:solidFill>
+                  <a:schemeClr val="accent6"/>
+                </a:solidFill>
+              </a:rPr>
+              <a:t>and </a:t>
             </a:r>
             <a:r>
               <a:rPr lang="en-US" sz="2700" dirty="0" err="1" smtClean="0">
                 <a:solidFill>
-                  <a:schemeClr val="accent6"/>
+                  <a:schemeClr val="bg1"/>
                 </a:solidFill>
               </a:rPr>
               <a:t>cron</a:t>
@@ -5822,6 +5838,45 @@
               </a:rPr>
               <a:t>httpd</a:t>
             </a:r>
+            <a:r>
+              <a:rPr lang="en-US" sz="2200" dirty="0" smtClean="0">
+                <a:solidFill>
+                  <a:schemeClr val="bg1"/>
+                </a:solidFill>
+              </a:rPr>
+              <a:t/>
+            </a:r>
+            <a:br>
+              <a:rPr lang="en-US" sz="2200" dirty="0" smtClean="0">
+                <a:solidFill>
+                  <a:schemeClr val="bg1"/>
+                </a:solidFill>
+              </a:rPr>
+            </a:br>
+            <a:r>
+              <a:rPr lang="en-US" sz="2200" dirty="0" smtClean="0">
+                <a:solidFill>
+                  <a:schemeClr val="accent6"/>
+                </a:solidFill>
+              </a:rPr>
+              <a:t>6</a:t>
+            </a:r>
+            <a:r>
+              <a:rPr lang="en-US" sz="2200" dirty="0" smtClean="0">
+                <a:solidFill>
+                  <a:schemeClr val="bg1"/>
+                </a:solidFill>
+              </a:rPr>
+              <a:t>. yum </a:t>
+            </a:r>
+            <a:r>
+              <a:rPr lang="en-US" sz="2200" dirty="0" err="1" smtClean="0">
+                <a:solidFill>
+                  <a:schemeClr val="bg1"/>
+                </a:solidFill>
+              </a:rPr>
+              <a:t>repolist</a:t>
+            </a:r>
             <a:endParaRPr lang="en-US" sz="1800" dirty="0">
               <a:solidFill>
                 <a:schemeClr val="bg1"/>
@@ -9281,7 +9336,12 @@
             <p:ph type="subTitle" idx="1"/>
           </p:nvPr>
         </p:nvSpPr>
-        <p:spPr/>
+        <p:spPr>
+          <a:xfrm>
+            <a:off x="1371600" y="3962400"/>
+            <a:ext cx="6400800" cy="1752600"/>
+          </a:xfrm>
+        </p:spPr>
         <p:txBody>
           <a:bodyPr>
             <a:normAutofit fontScale="85000" lnSpcReduction="20000"/>

--- a/09.Softwaremagement_And_Cron/09-SoftwareManagementAndCron.pptx
+++ b/09.Softwaremagement_And_Cron/09-SoftwareManagementAndCron.pptx
@@ -226,7 +226,7 @@
           <a:p>
             <a:fld id="{75861919-8521-4274-BB91-998CD62CEE44}" type="datetimeFigureOut">
               <a:rPr lang="en-US" smtClean="0"/>
-              <a:t>5/5/17</a:t>
+              <a:t>5/15/17</a:t>
             </a:fld>
             <a:endParaRPr lang="en-US"/>
           </a:p>
@@ -759,7 +759,7 @@
           <a:p>
             <a:fld id="{3EA744D9-3FBE-48D8-BF2A-85DF203E4D20}" type="datetimeFigureOut">
               <a:rPr lang="bg-BG" smtClean="0"/>
-              <a:t>5.05.17 г.</a:t>
+              <a:t>15.05.17 г.</a:t>
             </a:fld>
             <a:endParaRPr lang="bg-BG"/>
           </a:p>
@@ -929,7 +929,7 @@
           <a:p>
             <a:fld id="{3EA744D9-3FBE-48D8-BF2A-85DF203E4D20}" type="datetimeFigureOut">
               <a:rPr lang="bg-BG" smtClean="0"/>
-              <a:t>5.05.17 г.</a:t>
+              <a:t>15.05.17 г.</a:t>
             </a:fld>
             <a:endParaRPr lang="bg-BG"/>
           </a:p>
@@ -1109,7 +1109,7 @@
           <a:p>
             <a:fld id="{3EA744D9-3FBE-48D8-BF2A-85DF203E4D20}" type="datetimeFigureOut">
               <a:rPr lang="bg-BG" smtClean="0"/>
-              <a:t>5.05.17 г.</a:t>
+              <a:t>15.05.17 г.</a:t>
             </a:fld>
             <a:endParaRPr lang="bg-BG"/>
           </a:p>
@@ -1279,7 +1279,7 @@
           <a:p>
             <a:fld id="{3EA744D9-3FBE-48D8-BF2A-85DF203E4D20}" type="datetimeFigureOut">
               <a:rPr lang="bg-BG" smtClean="0"/>
-              <a:t>5.05.17 г.</a:t>
+              <a:t>15.05.17 г.</a:t>
             </a:fld>
             <a:endParaRPr lang="bg-BG"/>
           </a:p>
@@ -1525,7 +1525,7 @@
           <a:p>
             <a:fld id="{3EA744D9-3FBE-48D8-BF2A-85DF203E4D20}" type="datetimeFigureOut">
               <a:rPr lang="bg-BG" smtClean="0"/>
-              <a:t>5.05.17 г.</a:t>
+              <a:t>15.05.17 г.</a:t>
             </a:fld>
             <a:endParaRPr lang="bg-BG"/>
           </a:p>
@@ -1813,7 +1813,7 @@
           <a:p>
             <a:fld id="{3EA744D9-3FBE-48D8-BF2A-85DF203E4D20}" type="datetimeFigureOut">
               <a:rPr lang="bg-BG" smtClean="0"/>
-              <a:t>5.05.17 г.</a:t>
+              <a:t>15.05.17 г.</a:t>
             </a:fld>
             <a:endParaRPr lang="bg-BG"/>
           </a:p>
@@ -2235,7 +2235,7 @@
           <a:p>
             <a:fld id="{3EA744D9-3FBE-48D8-BF2A-85DF203E4D20}" type="datetimeFigureOut">
               <a:rPr lang="bg-BG" smtClean="0"/>
-              <a:t>5.05.17 г.</a:t>
+              <a:t>15.05.17 г.</a:t>
             </a:fld>
             <a:endParaRPr lang="bg-BG"/>
           </a:p>
@@ -2353,7 +2353,7 @@
           <a:p>
             <a:fld id="{3EA744D9-3FBE-48D8-BF2A-85DF203E4D20}" type="datetimeFigureOut">
               <a:rPr lang="bg-BG" smtClean="0"/>
-              <a:t>5.05.17 г.</a:t>
+              <a:t>15.05.17 г.</a:t>
             </a:fld>
             <a:endParaRPr lang="bg-BG"/>
           </a:p>
@@ -2448,7 +2448,7 @@
           <a:p>
             <a:fld id="{3EA744D9-3FBE-48D8-BF2A-85DF203E4D20}" type="datetimeFigureOut">
               <a:rPr lang="bg-BG" smtClean="0"/>
-              <a:t>5.05.17 г.</a:t>
+              <a:t>15.05.17 г.</a:t>
             </a:fld>
             <a:endParaRPr lang="bg-BG"/>
           </a:p>
@@ -2725,7 +2725,7 @@
           <a:p>
             <a:fld id="{3EA744D9-3FBE-48D8-BF2A-85DF203E4D20}" type="datetimeFigureOut">
               <a:rPr lang="bg-BG" smtClean="0"/>
-              <a:t>5.05.17 г.</a:t>
+              <a:t>15.05.17 г.</a:t>
             </a:fld>
             <a:endParaRPr lang="bg-BG"/>
           </a:p>
@@ -2978,7 +2978,7 @@
           <a:p>
             <a:fld id="{3EA744D9-3FBE-48D8-BF2A-85DF203E4D20}" type="datetimeFigureOut">
               <a:rPr lang="bg-BG" smtClean="0"/>
-              <a:t>5.05.17 г.</a:t>
+              <a:t>15.05.17 г.</a:t>
             </a:fld>
             <a:endParaRPr lang="bg-BG"/>
           </a:p>
@@ -3200,7 +3200,7 @@
           <a:p>
             <a:fld id="{3EA744D9-3FBE-48D8-BF2A-85DF203E4D20}" type="datetimeFigureOut">
               <a:rPr lang="bg-BG" smtClean="0"/>
-              <a:t>5.05.17 г.</a:t>
+              <a:t>15.05.17 г.</a:t>
             </a:fld>
             <a:endParaRPr lang="bg-BG"/>
           </a:p>
@@ -4802,23 +4802,7 @@
                   <a:schemeClr val="accent6"/>
                 </a:solidFill>
               </a:rPr>
-              <a:t>1. </a:t>
-            </a:r>
-            <a:r>
-              <a:rPr lang="en-US" sz="2700" dirty="0" smtClean="0">
-                <a:solidFill>
-                  <a:schemeClr val="accent6"/>
-                </a:solidFill>
-              </a:rPr>
-              <a:t>Explain the </a:t>
-            </a:r>
-            <a:r>
-              <a:rPr lang="en-US" sz="2700" dirty="0" smtClean="0">
-                <a:solidFill>
-                  <a:schemeClr val="accent6"/>
-                </a:solidFill>
-              </a:rPr>
-              <a:t>difference between yum and rpm, and provide an example.</a:t>
+              <a:t>1. Explain the difference between yum and rpm, and provide an example.</a:t>
             </a:r>
             <a:br>
               <a:rPr lang="en-US" sz="2700" dirty="0" smtClean="0">
@@ -5704,18 +5688,34 @@
                   <a:schemeClr val="bg1"/>
                 </a:solidFill>
               </a:rPr>
-              <a:t>man ‘yum’</a:t>
-            </a:r>
-            <a:br>
+              <a:t>man </a:t>
+            </a:r>
+            <a:r>
               <a:rPr lang="en-US" sz="2200" dirty="0" smtClean="0">
                 <a:solidFill>
                   <a:schemeClr val="bg1"/>
                 </a:solidFill>
               </a:rPr>
-            </a:br>
+              <a:t>yum</a:t>
+            </a:r>
             <a:r>
               <a:rPr lang="en-US" sz="2200" dirty="0" smtClean="0">
                 <a:solidFill>
+                  <a:schemeClr val="bg1"/>
+                </a:solidFill>
+              </a:rPr>
+              <a:t/>
+            </a:r>
+            <a:br>
+              <a:rPr lang="en-US" sz="2200" dirty="0" smtClean="0">
+                <a:solidFill>
+                  <a:schemeClr val="bg1"/>
+                </a:solidFill>
+              </a:rPr>
+            </a:br>
+            <a:r>
+              <a:rPr lang="en-US" sz="2200" dirty="0" smtClean="0">
+                <a:solidFill>
                   <a:schemeClr val="accent6"/>
                 </a:solidFill>
               </a:rPr>
@@ -5727,7 +5727,23 @@
                   <a:schemeClr val="bg1"/>
                 </a:solidFill>
               </a:rPr>
-              <a:t>man ‘rpm’</a:t>
+              <a:t>man </a:t>
+            </a:r>
+            <a:r>
+              <a:rPr lang="en-US" sz="2200" dirty="0" smtClean="0">
+                <a:solidFill>
+                  <a:schemeClr val="bg1"/>
+                </a:solidFill>
+              </a:rPr>
+              <a:t>rpm</a:t>
+            </a:r>
+            <a:r>
+              <a:rPr lang="en-US" sz="2200" dirty="0" smtClean="0">
+                <a:solidFill>
+                  <a:schemeClr val="bg1"/>
+                </a:solidFill>
+              </a:rPr>
+              <a:t/>
             </a:r>
             <a:br>
               <a:rPr lang="en-US" sz="2200" dirty="0" smtClean="0">
@@ -9365,29 +9381,26 @@
               <a:buAutoNum type="arabicPeriod"/>
             </a:pPr>
             <a:r>
-              <a:rPr lang="en-US" dirty="0" smtClean="0">
-                <a:solidFill>
-                  <a:schemeClr val="accent6"/>
-                </a:solidFill>
-              </a:rPr>
-              <a:t>man ‘</a:t>
-            </a:r>
-            <a:r>
-              <a:rPr lang="en-US" dirty="0" err="1" smtClean="0">
+              <a:rPr lang="en-US" smtClean="0">
+                <a:solidFill>
+                  <a:schemeClr val="bg1"/>
+                </a:solidFill>
+              </a:rPr>
+              <a:t>man </a:t>
+            </a:r>
+            <a:r>
+              <a:rPr lang="en-US" smtClean="0">
                 <a:solidFill>
                   <a:schemeClr val="bg1"/>
                 </a:solidFill>
               </a:rPr>
               <a:t>anacron</a:t>
             </a:r>
-            <a:r>
-              <a:rPr lang="en-US" dirty="0" smtClean="0">
-                <a:solidFill>
-                  <a:schemeClr val="accent6"/>
-                </a:solidFill>
-              </a:rPr>
-              <a:t>’</a:t>
-            </a:r>
+            <a:endParaRPr lang="en-US" dirty="0" smtClean="0">
+              <a:solidFill>
+                <a:schemeClr val="bg1"/>
+              </a:solidFill>
+            </a:endParaRPr>
           </a:p>
           <a:p>
             <a:pPr marL="514350" indent="-514350">

--- a/09.Softwaremagement_And_Cron/09-SoftwareManagementAndCron.pptx
+++ b/09.Softwaremagement_And_Cron/09-SoftwareManagementAndCron.pptx
@@ -6119,50 +6119,42 @@
               </a:rPr>
             </a:br>
             <a:r>
-              <a:rPr lang="en-US" sz="2200">
-                <a:solidFill>
-                  <a:schemeClr val="accent6"/>
-                </a:solidFill>
-              </a:rPr>
-              <a:t/>
-            </a:r>
-            <a:br>
-              <a:rPr lang="en-US" sz="2200">
-                <a:solidFill>
-                  <a:schemeClr val="accent6"/>
-                </a:solidFill>
-              </a:rPr>
-            </a:br>
-            <a:r>
-              <a:rPr lang="en-US" sz="2200" smtClean="0">
-                <a:solidFill>
-                  <a:schemeClr val="accent6"/>
-                </a:solidFill>
-              </a:rPr>
-              <a:t/>
-            </a:r>
-            <a:br>
-              <a:rPr lang="en-US" sz="2200" smtClean="0">
-                <a:solidFill>
-                  <a:schemeClr val="accent6"/>
-                </a:solidFill>
-              </a:rPr>
-            </a:br>
-            <a:r>
-              <a:rPr lang="en-US" sz="2200" smtClean="0">
-                <a:solidFill>
-                  <a:schemeClr val="accent6"/>
-                </a:solidFill>
-              </a:rPr>
-              <a:t>Updates </a:t>
-            </a:r>
+              <a:rPr lang="en-US" sz="2200" dirty="0">
+                <a:solidFill>
+                  <a:schemeClr val="accent6"/>
+                </a:solidFill>
+              </a:rPr>
+              <a:t/>
+            </a:r>
+            <a:br>
+              <a:rPr lang="en-US" sz="2200" dirty="0">
+                <a:solidFill>
+                  <a:schemeClr val="accent6"/>
+                </a:solidFill>
+              </a:rPr>
+            </a:br>
             <a:r>
               <a:rPr lang="en-US" sz="2200" dirty="0" smtClean="0">
                 <a:solidFill>
                   <a:schemeClr val="accent6"/>
                 </a:solidFill>
               </a:rPr>
-              <a:t>and Patches</a:t>
+              <a:t/>
+            </a:r>
+            <a:br>
+              <a:rPr lang="en-US" sz="2200" dirty="0" smtClean="0">
+                <a:solidFill>
+                  <a:schemeClr val="accent6"/>
+                </a:solidFill>
+              </a:rPr>
+            </a:br>
+            <a:r>
+              <a:rPr lang="en-US" sz="2200" dirty="0" smtClean="0">
+                <a:solidFill>
+                  <a:schemeClr val="accent6"/>
+                </a:solidFill>
+              </a:rPr>
+              <a:t>Updates and Patches</a:t>
             </a:r>
             <a:br>
               <a:rPr lang="en-US" sz="2200" dirty="0" smtClean="0">
@@ -9136,7 +9128,55 @@
                   <a:schemeClr val="bg1"/>
                 </a:solidFill>
               </a:rPr>
-              <a:t> all; grep –r enabled /</a:t>
+              <a:t> </a:t>
+            </a:r>
+            <a:r>
+              <a:rPr lang="en-US" sz="1800" dirty="0" smtClean="0">
+                <a:solidFill>
+                  <a:schemeClr val="bg1"/>
+                </a:solidFill>
+              </a:rPr>
+              <a:t>all</a:t>
+            </a:r>
+            <a:r>
+              <a:rPr lang="en-US" sz="1800" dirty="0" smtClean="0">
+                <a:solidFill>
+                  <a:schemeClr val="accent6"/>
+                </a:solidFill>
+              </a:rPr>
+              <a:t>; </a:t>
+            </a:r>
+            <a:r>
+              <a:rPr lang="en-US" sz="1800" dirty="0" smtClean="0">
+                <a:solidFill>
+                  <a:schemeClr val="bg1"/>
+                </a:solidFill>
+              </a:rPr>
+              <a:t>yum </a:t>
+            </a:r>
+            <a:r>
+              <a:rPr lang="en-US" sz="1800" dirty="0" err="1" smtClean="0">
+                <a:solidFill>
+                  <a:schemeClr val="bg1"/>
+                </a:solidFill>
+              </a:rPr>
+              <a:t>repolist</a:t>
+            </a:r>
+            <a:r>
+              <a:rPr lang="en-US" sz="1800" dirty="0" smtClean="0">
+                <a:solidFill>
+                  <a:schemeClr val="accent6"/>
+                </a:solidFill>
+              </a:rPr>
+              <a:t>; </a:t>
+            </a:r>
+            <a:r>
+              <a:rPr lang="en-US" sz="1800" dirty="0" smtClean="0">
+                <a:solidFill>
+                  <a:schemeClr val="bg1"/>
+                </a:solidFill>
+              </a:rPr>
+              <a:t>grep –r enabled /</a:t>
             </a:r>
             <a:r>
               <a:rPr lang="en-US" sz="1800" dirty="0" err="1" smtClean="0">
@@ -9764,7 +9804,15 @@
                   <a:schemeClr val="accent6"/>
                 </a:solidFill>
               </a:rPr>
-              <a:t>1. man ‘</a:t>
+              <a:t>1. </a:t>
+            </a:r>
+            <a:r>
+              <a:rPr lang="en-US" sz="2000" dirty="0" smtClean="0">
+                <a:solidFill>
+                  <a:schemeClr val="bg1"/>
+                </a:solidFill>
+              </a:rPr>
+              <a:t>man </a:t>
             </a:r>
             <a:r>
               <a:rPr lang="en-US" sz="2000" dirty="0" err="1" smtClean="0">
@@ -9780,22 +9828,30 @@
                   <a:schemeClr val="accent6"/>
                 </a:solidFill>
               </a:rPr>
-              <a:t>’</a:t>
-            </a:r>
-            <a:br>
-              <a:rPr lang="en-US" sz="2000" dirty="0" smtClean="0">
-                <a:solidFill>
-                  <a:schemeClr val="accent6"/>
-                </a:solidFill>
-              </a:rPr>
-            </a:br>
-            <a:r>
-              <a:rPr lang="en-US" sz="2000" dirty="0" smtClean="0">
-                <a:solidFill>
-                  <a:schemeClr val="accent6"/>
-                </a:solidFill>
-              </a:rPr>
-              <a:t>2. man ‘</a:t>
+              <a:t/>
+            </a:r>
+            <a:br>
+              <a:rPr lang="en-US" sz="2000" dirty="0" smtClean="0">
+                <a:solidFill>
+                  <a:schemeClr val="accent6"/>
+                </a:solidFill>
+              </a:rPr>
+            </a:br>
+            <a:r>
+              <a:rPr lang="en-US" sz="2000" dirty="0" smtClean="0">
+                <a:solidFill>
+                  <a:schemeClr val="accent6"/>
+                </a:solidFill>
+              </a:rPr>
+              <a:t>2. </a:t>
+            </a:r>
+            <a:r>
+              <a:rPr lang="en-US" sz="2000" dirty="0" smtClean="0">
+                <a:solidFill>
+                  <a:schemeClr val="bg1"/>
+                </a:solidFill>
+              </a:rPr>
+              <a:t>man </a:t>
             </a:r>
             <a:r>
               <a:rPr lang="en-US" sz="2000" dirty="0" err="1" smtClean="0">
@@ -9811,27 +9867,35 @@
                   <a:schemeClr val="accent6"/>
                 </a:solidFill>
               </a:rPr>
-              <a:t>’</a:t>
-            </a:r>
-            <a:br>
-              <a:rPr lang="en-US" sz="2000" dirty="0" smtClean="0">
-                <a:solidFill>
-                  <a:schemeClr val="accent6"/>
-                </a:solidFill>
-              </a:rPr>
-            </a:br>
-            <a:r>
-              <a:rPr lang="en-US" sz="2000" dirty="0" smtClean="0">
-                <a:solidFill>
-                  <a:schemeClr val="accent6"/>
-                </a:solidFill>
-              </a:rPr>
-              <a:t>3.systemctl status </a:t>
+              <a:t/>
+            </a:r>
+            <a:br>
+              <a:rPr lang="en-US" sz="2000" dirty="0" smtClean="0">
+                <a:solidFill>
+                  <a:schemeClr val="accent6"/>
+                </a:solidFill>
+              </a:rPr>
+            </a:br>
+            <a:r>
+              <a:rPr lang="en-US" sz="2000" dirty="0" smtClean="0">
+                <a:solidFill>
+                  <a:schemeClr val="accent6"/>
+                </a:solidFill>
+              </a:rPr>
+              <a:t>3.</a:t>
+            </a:r>
+            <a:r>
+              <a:rPr lang="en-US" sz="2000" dirty="0" smtClean="0">
+                <a:solidFill>
+                  <a:schemeClr val="bg1"/>
+                </a:solidFill>
+              </a:rPr>
+              <a:t>systemctl status </a:t>
             </a:r>
             <a:r>
               <a:rPr lang="en-US" sz="2000" dirty="0" err="1" smtClean="0">
                 <a:solidFill>
-                  <a:schemeClr val="accent6"/>
+                  <a:schemeClr val="bg1"/>
                 </a:solidFill>
               </a:rPr>
               <a:t>crond</a:t>
@@ -9839,30 +9903,46 @@
             <a:r>
               <a:rPr lang="en-US" sz="2000" dirty="0" smtClean="0">
                 <a:solidFill>
-                  <a:schemeClr val="accent6"/>
-                </a:solidFill>
-              </a:rPr>
-              <a:t> –l</a:t>
-            </a:r>
-            <a:br>
-              <a:rPr lang="en-US" sz="2000" dirty="0" smtClean="0">
-                <a:solidFill>
-                  <a:schemeClr val="accent6"/>
-                </a:solidFill>
-              </a:rPr>
-            </a:br>
-            <a:r>
-              <a:rPr lang="en-US" sz="2000" dirty="0" smtClean="0">
-                <a:solidFill>
-                  <a:schemeClr val="accent6"/>
-                </a:solidFill>
-              </a:rPr>
-              <a:t>4. ls –l /</a:t>
+                  <a:schemeClr val="bg1"/>
+                </a:solidFill>
+              </a:rPr>
+              <a:t> </a:t>
+            </a:r>
+            <a:r>
+              <a:rPr lang="en-US" sz="2000" dirty="0" smtClean="0">
+                <a:solidFill>
+                  <a:schemeClr val="accent6"/>
+                </a:solidFill>
+              </a:rPr>
+              <a:t/>
+            </a:r>
+            <a:br>
+              <a:rPr lang="en-US" sz="2000" dirty="0" smtClean="0">
+                <a:solidFill>
+                  <a:schemeClr val="accent6"/>
+                </a:solidFill>
+              </a:rPr>
+            </a:br>
+            <a:r>
+              <a:rPr lang="en-US" sz="2000" dirty="0" smtClean="0">
+                <a:solidFill>
+                  <a:schemeClr val="accent6"/>
+                </a:solidFill>
+              </a:rPr>
+              <a:t>4. </a:t>
+            </a:r>
+            <a:r>
+              <a:rPr lang="en-US" sz="2000" dirty="0" smtClean="0">
+                <a:solidFill>
+                  <a:schemeClr val="bg1"/>
+                </a:solidFill>
+              </a:rPr>
+              <a:t>ls –l /</a:t>
             </a:r>
             <a:r>
               <a:rPr lang="en-US" sz="2000" dirty="0" err="1" smtClean="0">
                 <a:solidFill>
-                  <a:schemeClr val="accent6"/>
+                  <a:schemeClr val="bg1"/>
                 </a:solidFill>
               </a:rPr>
               <a:t>etc</a:t>
@@ -9870,7 +9950,7 @@
             <a:r>
               <a:rPr lang="en-US" sz="2000" dirty="0" smtClean="0">
                 <a:solidFill>
-                  <a:schemeClr val="accent6"/>
+                  <a:schemeClr val="bg1"/>
                 </a:solidFill>
               </a:rPr>
               <a:t>/</a:t>
@@ -9878,7 +9958,7 @@
             <a:r>
               <a:rPr lang="en-US" sz="2000" dirty="0" err="1" smtClean="0">
                 <a:solidFill>
-                  <a:schemeClr val="accent6"/>
+                  <a:schemeClr val="bg1"/>
                 </a:solidFill>
               </a:rPr>
               <a:t>cron</a:t>
@@ -9886,38 +9966,38 @@
             <a:r>
               <a:rPr lang="en-US" sz="2000" dirty="0" smtClean="0">
                 <a:solidFill>
-                  <a:schemeClr val="accent6"/>
+                  <a:schemeClr val="bg1"/>
                 </a:solidFill>
               </a:rPr>
               <a:t>*</a:t>
             </a:r>
-            <a:r>
-              <a:rPr lang="en-US" sz="2000" dirty="0" smtClean="0">
-                <a:solidFill>
-                  <a:schemeClr val="bg1"/>
-                </a:solidFill>
-              </a:rPr>
-              <a:t/>
-            </a:r>
-            <a:br>
-              <a:rPr lang="en-US" sz="2000" dirty="0" smtClean="0">
-                <a:solidFill>
-                  <a:schemeClr val="bg1"/>
-                </a:solidFill>
-              </a:rPr>
-            </a:br>
-            <a:r>
-              <a:rPr lang="en-US" sz="2000" dirty="0" smtClean="0">
-                <a:solidFill>
-                  <a:schemeClr val="accent6"/>
-                </a:solidFill>
-              </a:rPr>
-              <a:t>4. cat /</a:t>
+            <a:br>
+              <a:rPr lang="en-US" sz="2000" dirty="0" smtClean="0">
+                <a:solidFill>
+                  <a:schemeClr val="bg1"/>
+                </a:solidFill>
+              </a:rPr>
+            </a:br>
+            <a:r>
+              <a:rPr lang="en-US" sz="2000" dirty="0" smtClean="0">
+                <a:solidFill>
+                  <a:schemeClr val="accent6"/>
+                </a:solidFill>
+              </a:rPr>
+              <a:t>4. </a:t>
+            </a:r>
+            <a:r>
+              <a:rPr lang="en-US" sz="2000" dirty="0" smtClean="0">
+                <a:solidFill>
+                  <a:schemeClr val="bg1"/>
+                </a:solidFill>
+              </a:rPr>
+              <a:t>cat /</a:t>
             </a:r>
             <a:r>
               <a:rPr lang="en-US" sz="2000" dirty="0" err="1" smtClean="0">
                 <a:solidFill>
-                  <a:schemeClr val="accent6"/>
+                  <a:schemeClr val="bg1"/>
                 </a:solidFill>
               </a:rPr>
               <a:t>etc</a:t>
@@ -9925,7 +10005,7 @@
             <a:r>
               <a:rPr lang="en-US" sz="2000" dirty="0" smtClean="0">
                 <a:solidFill>
-                  <a:schemeClr val="accent6"/>
+                  <a:schemeClr val="bg1"/>
                 </a:solidFill>
               </a:rPr>
               <a:t>/</a:t>
@@ -9933,7 +10013,7 @@
             <a:r>
               <a:rPr lang="en-US" sz="2000" dirty="0" err="1" smtClean="0">
                 <a:solidFill>
-                  <a:schemeClr val="accent6"/>
+                  <a:schemeClr val="bg1"/>
                 </a:solidFill>
               </a:rPr>
               <a:t>crontab</a:t>
@@ -10383,13 +10463,13 @@
         </p:nvSpPr>
         <p:spPr>
           <a:xfrm>
-            <a:off x="1371600" y="3962400"/>
-            <a:ext cx="6400800" cy="1752600"/>
+            <a:off x="1524000" y="3962400"/>
+            <a:ext cx="6553200" cy="2209800"/>
           </a:xfrm>
         </p:spPr>
         <p:txBody>
           <a:bodyPr>
-            <a:normAutofit fontScale="85000" lnSpcReduction="20000"/>
+            <a:normAutofit/>
           </a:bodyPr>
           <a:lstStyle/>
           <a:p>
@@ -10406,11 +10486,8 @@
             </a:r>
           </a:p>
           <a:p>
-            <a:pPr marL="514350" indent="-514350">
-              <a:buAutoNum type="arabicPeriod"/>
-            </a:pPr>
-            <a:r>
-              <a:rPr lang="en-US" dirty="0" smtClean="0">
+            <a:r>
+              <a:rPr lang="en-US" sz="2000" dirty="0" smtClean="0">
                 <a:solidFill>
                   <a:schemeClr val="bg1"/>
                 </a:solidFill>
@@ -10418,41 +10495,38 @@
               <a:t>man </a:t>
             </a:r>
             <a:r>
-              <a:rPr lang="en-US" dirty="0" err="1" smtClean="0">
+              <a:rPr lang="en-US" sz="2000" dirty="0" err="1" smtClean="0">
                 <a:solidFill>
                   <a:schemeClr val="bg1"/>
                 </a:solidFill>
               </a:rPr>
               <a:t>anacron</a:t>
             </a:r>
-            <a:endParaRPr lang="en-US" dirty="0" smtClean="0">
+            <a:endParaRPr lang="en-US" sz="2000" dirty="0">
               <a:solidFill>
                 <a:schemeClr val="bg1"/>
               </a:solidFill>
             </a:endParaRPr>
           </a:p>
           <a:p>
-            <a:pPr marL="514350" indent="-514350">
-              <a:buAutoNum type="arabicPeriod"/>
-            </a:pPr>
-            <a:r>
-              <a:rPr lang="en-US" dirty="0">
-                <a:solidFill>
-                  <a:schemeClr val="bg1"/>
-                </a:solidFill>
-              </a:rPr>
-              <a:t>c</a:t>
-            </a:r>
-            <a:r>
-              <a:rPr lang="en-US" dirty="0" smtClean="0">
-                <a:solidFill>
-                  <a:schemeClr val="bg1"/>
-                </a:solidFill>
-              </a:rPr>
-              <a:t>at /</a:t>
-            </a:r>
-            <a:r>
-              <a:rPr lang="en-US" dirty="0" err="1" smtClean="0">
+            <a:r>
+              <a:rPr lang="en-US" sz="2000" dirty="0" smtClean="0">
+                <a:solidFill>
+                  <a:schemeClr val="bg1"/>
+                </a:solidFill>
+              </a:rPr>
+              <a:t>cat </a:t>
+            </a:r>
+            <a:r>
+              <a:rPr lang="en-US" sz="2000" dirty="0" smtClean="0">
+                <a:solidFill>
+                  <a:schemeClr val="bg1"/>
+                </a:solidFill>
+              </a:rPr>
+              <a:t>/</a:t>
+            </a:r>
+            <a:r>
+              <a:rPr lang="en-US" sz="2000" dirty="0" err="1" smtClean="0">
                 <a:solidFill>
                   <a:schemeClr val="bg1"/>
                 </a:solidFill>
@@ -10460,7 +10534,7 @@
               <a:t>etc</a:t>
             </a:r>
             <a:r>
-              <a:rPr lang="en-US" dirty="0" smtClean="0">
+              <a:rPr lang="en-US" sz="2000" dirty="0" smtClean="0">
                 <a:solidFill>
                   <a:schemeClr val="bg1"/>
                 </a:solidFill>
@@ -10468,14 +10542,14 @@
               <a:t>/</a:t>
             </a:r>
             <a:r>
-              <a:rPr lang="en-US" dirty="0" err="1" smtClean="0">
+              <a:rPr lang="en-US" sz="2000" dirty="0" err="1" smtClean="0">
                 <a:solidFill>
                   <a:schemeClr val="bg1"/>
                 </a:solidFill>
               </a:rPr>
               <a:t>anacrontab</a:t>
             </a:r>
-            <a:endParaRPr lang="en-US" dirty="0">
+            <a:endParaRPr lang="en-US" sz="2000" dirty="0">
               <a:solidFill>
                 <a:schemeClr val="bg1"/>
               </a:solidFill>

--- a/09.Softwaremagement_And_Cron/09-SoftwareManagementAndCron.pptx
+++ b/09.Softwaremagement_And_Cron/09-SoftwareManagementAndCron.pptx
@@ -227,7 +227,7 @@
           <a:p>
             <a:fld id="{75861919-8521-4274-BB91-998CD62CEE44}" type="datetimeFigureOut">
               <a:rPr lang="en-US" smtClean="0"/>
-              <a:t>5/16/17</a:t>
+              <a:t>5/17/17</a:t>
             </a:fld>
             <a:endParaRPr lang="en-US"/>
           </a:p>
@@ -760,7 +760,7 @@
           <a:p>
             <a:fld id="{3EA744D9-3FBE-48D8-BF2A-85DF203E4D20}" type="datetimeFigureOut">
               <a:rPr lang="bg-BG" smtClean="0"/>
-              <a:t>16.05.17 г.</a:t>
+              <a:t>17.05.17 г.</a:t>
             </a:fld>
             <a:endParaRPr lang="bg-BG"/>
           </a:p>
@@ -930,7 +930,7 @@
           <a:p>
             <a:fld id="{3EA744D9-3FBE-48D8-BF2A-85DF203E4D20}" type="datetimeFigureOut">
               <a:rPr lang="bg-BG" smtClean="0"/>
-              <a:t>16.05.17 г.</a:t>
+              <a:t>17.05.17 г.</a:t>
             </a:fld>
             <a:endParaRPr lang="bg-BG"/>
           </a:p>
@@ -1110,7 +1110,7 @@
           <a:p>
             <a:fld id="{3EA744D9-3FBE-48D8-BF2A-85DF203E4D20}" type="datetimeFigureOut">
               <a:rPr lang="bg-BG" smtClean="0"/>
-              <a:t>16.05.17 г.</a:t>
+              <a:t>17.05.17 г.</a:t>
             </a:fld>
             <a:endParaRPr lang="bg-BG"/>
           </a:p>
@@ -1280,7 +1280,7 @@
           <a:p>
             <a:fld id="{3EA744D9-3FBE-48D8-BF2A-85DF203E4D20}" type="datetimeFigureOut">
               <a:rPr lang="bg-BG" smtClean="0"/>
-              <a:t>16.05.17 г.</a:t>
+              <a:t>17.05.17 г.</a:t>
             </a:fld>
             <a:endParaRPr lang="bg-BG"/>
           </a:p>
@@ -1526,7 +1526,7 @@
           <a:p>
             <a:fld id="{3EA744D9-3FBE-48D8-BF2A-85DF203E4D20}" type="datetimeFigureOut">
               <a:rPr lang="bg-BG" smtClean="0"/>
-              <a:t>16.05.17 г.</a:t>
+              <a:t>17.05.17 г.</a:t>
             </a:fld>
             <a:endParaRPr lang="bg-BG"/>
           </a:p>
@@ -1814,7 +1814,7 @@
           <a:p>
             <a:fld id="{3EA744D9-3FBE-48D8-BF2A-85DF203E4D20}" type="datetimeFigureOut">
               <a:rPr lang="bg-BG" smtClean="0"/>
-              <a:t>16.05.17 г.</a:t>
+              <a:t>17.05.17 г.</a:t>
             </a:fld>
             <a:endParaRPr lang="bg-BG"/>
           </a:p>
@@ -2236,7 +2236,7 @@
           <a:p>
             <a:fld id="{3EA744D9-3FBE-48D8-BF2A-85DF203E4D20}" type="datetimeFigureOut">
               <a:rPr lang="bg-BG" smtClean="0"/>
-              <a:t>16.05.17 г.</a:t>
+              <a:t>17.05.17 г.</a:t>
             </a:fld>
             <a:endParaRPr lang="bg-BG"/>
           </a:p>
@@ -2354,7 +2354,7 @@
           <a:p>
             <a:fld id="{3EA744D9-3FBE-48D8-BF2A-85DF203E4D20}" type="datetimeFigureOut">
               <a:rPr lang="bg-BG" smtClean="0"/>
-              <a:t>16.05.17 г.</a:t>
+              <a:t>17.05.17 г.</a:t>
             </a:fld>
             <a:endParaRPr lang="bg-BG"/>
           </a:p>
@@ -2449,7 +2449,7 @@
           <a:p>
             <a:fld id="{3EA744D9-3FBE-48D8-BF2A-85DF203E4D20}" type="datetimeFigureOut">
               <a:rPr lang="bg-BG" smtClean="0"/>
-              <a:t>16.05.17 г.</a:t>
+              <a:t>17.05.17 г.</a:t>
             </a:fld>
             <a:endParaRPr lang="bg-BG"/>
           </a:p>
@@ -2726,7 +2726,7 @@
           <a:p>
             <a:fld id="{3EA744D9-3FBE-48D8-BF2A-85DF203E4D20}" type="datetimeFigureOut">
               <a:rPr lang="bg-BG" smtClean="0"/>
-              <a:t>16.05.17 г.</a:t>
+              <a:t>17.05.17 г.</a:t>
             </a:fld>
             <a:endParaRPr lang="bg-BG"/>
           </a:p>
@@ -2979,7 +2979,7 @@
           <a:p>
             <a:fld id="{3EA744D9-3FBE-48D8-BF2A-85DF203E4D20}" type="datetimeFigureOut">
               <a:rPr lang="bg-BG" smtClean="0"/>
-              <a:t>16.05.17 г.</a:t>
+              <a:t>17.05.17 г.</a:t>
             </a:fld>
             <a:endParaRPr lang="bg-BG"/>
           </a:p>
@@ -3201,7 +3201,7 @@
           <a:p>
             <a:fld id="{3EA744D9-3FBE-48D8-BF2A-85DF203E4D20}" type="datetimeFigureOut">
               <a:rPr lang="bg-BG" smtClean="0"/>
-              <a:t>16.05.17 г.</a:t>
+              <a:t>17.05.17 г.</a:t>
             </a:fld>
             <a:endParaRPr lang="bg-BG"/>
           </a:p>
@@ -9128,15 +9128,7 @@
                   <a:schemeClr val="bg1"/>
                 </a:solidFill>
               </a:rPr>
-              <a:t> </a:t>
-            </a:r>
-            <a:r>
-              <a:rPr lang="en-US" sz="1800" dirty="0" smtClean="0">
-                <a:solidFill>
-                  <a:schemeClr val="bg1"/>
-                </a:solidFill>
-              </a:rPr>
-              <a:t>all</a:t>
+              <a:t> all</a:t>
             </a:r>
             <a:r>
               <a:rPr lang="en-US" sz="1800" dirty="0" smtClean="0">
@@ -10049,75 +10041,12 @@
               </a:rPr>
             </a:br>
             <a:r>
-              <a:rPr lang="en-US" sz="2000" dirty="0" err="1" smtClean="0">
-                <a:solidFill>
-                  <a:schemeClr val="accent6"/>
-                </a:solidFill>
-              </a:rPr>
-              <a:t>Cron</a:t>
-            </a:r>
-            <a:r>
-              <a:rPr lang="en-US" sz="2000" dirty="0" smtClean="0">
-                <a:solidFill>
-                  <a:schemeClr val="accent6"/>
-                </a:solidFill>
-              </a:rPr>
-              <a:t> files in </a:t>
-            </a:r>
-            <a:r>
-              <a:rPr lang="en-US" sz="2000" dirty="0" smtClean="0">
-                <a:solidFill>
-                  <a:schemeClr val="bg1"/>
-                </a:solidFill>
-              </a:rPr>
-              <a:t>/</a:t>
-            </a:r>
-            <a:r>
-              <a:rPr lang="en-US" sz="2000" dirty="0" err="1" smtClean="0">
-                <a:solidFill>
-                  <a:schemeClr val="bg1"/>
-                </a:solidFill>
-              </a:rPr>
-              <a:t>etc</a:t>
-            </a:r>
-            <a:r>
-              <a:rPr lang="en-US" sz="2000" dirty="0" smtClean="0">
-                <a:solidFill>
-                  <a:schemeClr val="bg1"/>
-                </a:solidFill>
-              </a:rPr>
-              <a:t>/</a:t>
-            </a:r>
-            <a:r>
-              <a:rPr lang="en-US" sz="2000" dirty="0" err="1" smtClean="0">
-                <a:solidFill>
-                  <a:schemeClr val="bg1"/>
-                </a:solidFill>
-              </a:rPr>
-              <a:t>cron.d</a:t>
-            </a:r>
-            <a:r>
-              <a:rPr lang="en-US" sz="2000" dirty="0" smtClean="0">
-                <a:solidFill>
-                  <a:schemeClr val="accent6"/>
-                </a:solidFill>
-              </a:rPr>
-              <a:t/>
-            </a:r>
-            <a:br>
-              <a:rPr lang="en-US" sz="2000" dirty="0" smtClean="0">
-                <a:solidFill>
-                  <a:schemeClr val="accent6"/>
-                </a:solidFill>
-              </a:rPr>
-            </a:br>
-            <a:r>
-              <a:rPr lang="en-US" sz="2000" dirty="0" smtClean="0">
-                <a:solidFill>
-                  <a:schemeClr val="accent6"/>
-                </a:solidFill>
-              </a:rPr>
-              <a:t>Scripts in </a:t>
+              <a:rPr lang="en-US" sz="2000" dirty="0" smtClean="0">
+                <a:solidFill>
+                  <a:schemeClr val="accent6"/>
+                </a:solidFill>
+              </a:rPr>
+              <a:t>Special destinations for common met durations in </a:t>
             </a:r>
             <a:r>
               <a:rPr lang="en-US" sz="2000" dirty="0" smtClean="0">
@@ -10375,29 +10304,45 @@
         <p:spPr/>
         <p:txBody>
           <a:bodyPr>
-            <a:normAutofit/>
+            <a:normAutofit fontScale="90000"/>
           </a:bodyPr>
           <a:lstStyle/>
           <a:p>
             <a:r>
-              <a:rPr lang="en-US" sz="2400" dirty="0" err="1" smtClean="0"/>
-              <a:t>To</a:t>
+              <a:rPr lang="en-US" sz="2400" dirty="0" smtClean="0"/>
+              <a:t>The </a:t>
+            </a:r>
+            <a:r>
+              <a:rPr lang="en-US" sz="2400" dirty="0" smtClean="0">
+                <a:solidFill>
+                  <a:schemeClr val="accent6"/>
+                </a:solidFill>
+              </a:rPr>
+              <a:t>The </a:t>
+            </a:r>
+            <a:r>
+              <a:rPr lang="en-US" sz="2400" dirty="0" smtClean="0">
+                <a:solidFill>
+                  <a:schemeClr val="bg1"/>
+                </a:solidFill>
+              </a:rPr>
+              <a:t>/</a:t>
             </a:r>
             <a:r>
               <a:rPr lang="en-US" sz="2400" dirty="0" err="1" smtClean="0">
                 <a:solidFill>
-                  <a:schemeClr val="accent6"/>
-                </a:solidFill>
-              </a:rPr>
-              <a:t>To</a:t>
+                  <a:schemeClr val="bg1"/>
+                </a:solidFill>
+              </a:rPr>
+              <a:t>etc</a:t>
             </a:r>
             <a:r>
               <a:rPr lang="en-US" sz="2400" dirty="0" smtClean="0">
                 <a:solidFill>
-                  <a:schemeClr val="accent6"/>
-                </a:solidFill>
-              </a:rPr>
-              <a:t> ensure regular execution of the job, </a:t>
+                  <a:schemeClr val="bg1"/>
+                </a:solidFill>
+              </a:rPr>
+              <a:t>/</a:t>
             </a:r>
             <a:r>
               <a:rPr lang="en-US" sz="2400" dirty="0" err="1" smtClean="0">
@@ -10405,15 +10350,31 @@
                   <a:schemeClr val="bg1"/>
                 </a:solidFill>
               </a:rPr>
-              <a:t>cron</a:t>
+              <a:t>cron.hourly</a:t>
             </a:r>
             <a:r>
               <a:rPr lang="en-US" sz="2400" dirty="0" smtClean="0">
                 <a:solidFill>
-                  <a:schemeClr val="accent6"/>
-                </a:solidFill>
-              </a:rPr>
-              <a:t> uses the </a:t>
+                  <a:schemeClr val="bg1"/>
+                </a:solidFill>
+              </a:rPr>
+              <a:t>/* </a:t>
+            </a:r>
+            <a:r>
+              <a:rPr lang="en-US" sz="2400" dirty="0" smtClean="0">
+                <a:solidFill>
+                  <a:schemeClr val="accent6"/>
+                </a:solidFill>
+              </a:rPr>
+              <a:t>scripts are executed using the run-parts command, from a job defined in </a:t>
+            </a:r>
+            <a:r>
+              <a:rPr lang="en-US" sz="2400" dirty="0" smtClean="0">
+                <a:solidFill>
+                  <a:schemeClr val="bg1"/>
+                </a:solidFill>
+              </a:rPr>
+              <a:t>/</a:t>
             </a:r>
             <a:r>
               <a:rPr lang="en-US" sz="2400" dirty="0" err="1" smtClean="0">
@@ -10421,15 +10382,15 @@
                   <a:schemeClr val="bg1"/>
                 </a:solidFill>
               </a:rPr>
-              <a:t>anacron</a:t>
+              <a:t>etc</a:t>
             </a:r>
             <a:r>
               <a:rPr lang="en-US" sz="2400" dirty="0" smtClean="0">
                 <a:solidFill>
-                  <a:schemeClr val="accent6"/>
-                </a:solidFill>
-              </a:rPr>
-              <a:t> service. This service takes care of starting the hourly, daily, weekly and monthly </a:t>
+                  <a:schemeClr val="bg1"/>
+                </a:solidFill>
+              </a:rPr>
+              <a:t>/</a:t>
             </a:r>
             <a:r>
               <a:rPr lang="en-US" sz="2400" dirty="0" err="1" smtClean="0">
@@ -10437,15 +10398,93 @@
                   <a:schemeClr val="bg1"/>
                 </a:solidFill>
               </a:rPr>
-              <a:t>cron</a:t>
+              <a:t>cron.d</a:t>
             </a:r>
             <a:r>
               <a:rPr lang="en-US" sz="2400" dirty="0" smtClean="0">
                 <a:solidFill>
-                  <a:schemeClr val="accent6"/>
-                </a:solidFill>
-              </a:rPr>
-              <a:t> jobs.</a:t>
+                  <a:schemeClr val="bg1"/>
+                </a:solidFill>
+              </a:rPr>
+              <a:t>/0hourly</a:t>
+            </a:r>
+            <a:r>
+              <a:rPr lang="en-US" sz="2400" dirty="0" smtClean="0">
+                <a:solidFill>
+                  <a:schemeClr val="accent6"/>
+                </a:solidFill>
+              </a:rPr>
+              <a:t>.</a:t>
+            </a:r>
+            <a:br>
+              <a:rPr lang="en-US" sz="2400" dirty="0" smtClean="0">
+                <a:solidFill>
+                  <a:schemeClr val="accent6"/>
+                </a:solidFill>
+              </a:rPr>
+            </a:br>
+            <a:r>
+              <a:rPr lang="en-US" sz="2400" dirty="0">
+                <a:solidFill>
+                  <a:schemeClr val="accent6"/>
+                </a:solidFill>
+              </a:rPr>
+              <a:t/>
+            </a:r>
+            <a:br>
+              <a:rPr lang="en-US" sz="2400" dirty="0">
+                <a:solidFill>
+                  <a:schemeClr val="accent6"/>
+                </a:solidFill>
+              </a:rPr>
+            </a:br>
+            <a:r>
+              <a:rPr lang="en-US" sz="2400" dirty="0" smtClean="0">
+                <a:solidFill>
+                  <a:schemeClr val="accent6"/>
+                </a:solidFill>
+              </a:rPr>
+              <a:t>The daily, weekly and monthly jobs are also executed using the run-parts command, but from a different configuration file </a:t>
+            </a:r>
+            <a:r>
+              <a:rPr lang="en-US" sz="2400" dirty="0" smtClean="0">
+                <a:solidFill>
+                  <a:schemeClr val="bg1"/>
+                </a:solidFill>
+              </a:rPr>
+              <a:t>/</a:t>
+            </a:r>
+            <a:r>
+              <a:rPr lang="en-US" sz="2400" dirty="0" err="1" smtClean="0">
+                <a:solidFill>
+                  <a:schemeClr val="bg1"/>
+                </a:solidFill>
+              </a:rPr>
+              <a:t>etc</a:t>
+            </a:r>
+            <a:r>
+              <a:rPr lang="en-US" sz="2400" dirty="0" smtClean="0">
+                <a:solidFill>
+                  <a:schemeClr val="bg1"/>
+                </a:solidFill>
+              </a:rPr>
+              <a:t>/</a:t>
+            </a:r>
+            <a:r>
+              <a:rPr lang="en-US" sz="2400" dirty="0" err="1" smtClean="0">
+                <a:solidFill>
+                  <a:schemeClr val="bg1"/>
+                </a:solidFill>
+              </a:rPr>
+              <a:t>anacrontab</a:t>
+            </a:r>
+            <a:r>
+              <a:rPr lang="en-US" sz="2400" dirty="0" smtClean="0">
+                <a:solidFill>
+                  <a:schemeClr val="accent6"/>
+                </a:solidFill>
+              </a:rPr>
+              <a:t>.</a:t>
             </a:r>
             <a:endParaRPr lang="en-US" sz="2400" dirty="0"/>
           </a:p>
@@ -10487,7 +10526,7 @@
           </a:p>
           <a:p>
             <a:r>
-              <a:rPr lang="en-US" sz="2000" dirty="0" smtClean="0">
+              <a:rPr lang="en-US" sz="2000" smtClean="0">
                 <a:solidFill>
                   <a:schemeClr val="bg1"/>
                 </a:solidFill>
@@ -10515,15 +10554,7 @@
                   <a:schemeClr val="bg1"/>
                 </a:solidFill>
               </a:rPr>
-              <a:t>cat </a:t>
-            </a:r>
-            <a:r>
-              <a:rPr lang="en-US" sz="2000" dirty="0" smtClean="0">
-                <a:solidFill>
-                  <a:schemeClr val="bg1"/>
-                </a:solidFill>
-              </a:rPr>
-              <a:t>/</a:t>
+              <a:t>cat /</a:t>
             </a:r>
             <a:r>
               <a:rPr lang="en-US" sz="2000" dirty="0" err="1" smtClean="0">
